--- a/asset/Learn_ja/ITA-export-import_ja_practice.pptx
+++ b/asset/Learn_ja/ITA-export-import_ja_practice.pptx
@@ -338,7 +338,7 @@
               <a:rPr kumimoji="1" lang="ja-JP" altLang="en-US" smtClean="0">
                 <a:ea typeface="メイリオ" panose="020B0604030504040204" pitchFamily="50" charset="-128"/>
               </a:rPr>
-              <a:t>2021/7/29</a:t>
+              <a:t>2022/1/17</a:t>
             </a:fld>
             <a:endParaRPr kumimoji="1" lang="ja-JP" altLang="en-US" dirty="0">
               <a:ea typeface="メイリオ" panose="020B0604030504040204" pitchFamily="50" charset="-128"/>
@@ -484,7 +484,7 @@
             <a:fld id="{4B26993D-C081-44EB-B0F5-A9F467792B62}" type="datetimeFigureOut">
               <a:rPr lang="ja-JP" altLang="en-US" smtClean="0"/>
               <a:pPr/>
-              <a:t>2021/7/29</a:t>
+              <a:t>2022/1/17</a:t>
             </a:fld>
             <a:endParaRPr lang="ja-JP" altLang="en-US" dirty="0"/>
           </a:p>
@@ -1107,7 +1107,7 @@
           <a:p>
             <a:fld id="{56F9016B-CCA6-43BE-8BEE-59565A35F4F7}" type="datetimeFigureOut">
               <a:rPr kumimoji="1" lang="ja-JP" altLang="en-US" smtClean="0"/>
-              <a:t>2021/7/29</a:t>
+              <a:t>2022/1/17</a:t>
             </a:fld>
             <a:endParaRPr kumimoji="1" lang="ja-JP" altLang="en-US"/>
           </a:p>
@@ -1309,7 +1309,7 @@
           <a:p>
             <a:fld id="{56F9016B-CCA6-43BE-8BEE-59565A35F4F7}" type="datetimeFigureOut">
               <a:rPr kumimoji="1" lang="ja-JP" altLang="en-US" smtClean="0"/>
-              <a:t>2021/7/29</a:t>
+              <a:t>2022/1/17</a:t>
             </a:fld>
             <a:endParaRPr kumimoji="1" lang="ja-JP" altLang="en-US"/>
           </a:p>
@@ -1555,7 +1555,7 @@
           <a:p>
             <a:fld id="{56F9016B-CCA6-43BE-8BEE-59565A35F4F7}" type="datetimeFigureOut">
               <a:rPr kumimoji="1" lang="ja-JP" altLang="en-US" smtClean="0"/>
-              <a:t>2021/7/29</a:t>
+              <a:t>2022/1/17</a:t>
             </a:fld>
             <a:endParaRPr kumimoji="1" lang="ja-JP" altLang="en-US"/>
           </a:p>
@@ -1851,7 +1851,7 @@
           <a:p>
             <a:fld id="{56F9016B-CCA6-43BE-8BEE-59565A35F4F7}" type="datetimeFigureOut">
               <a:rPr kumimoji="1" lang="ja-JP" altLang="en-US" smtClean="0"/>
-              <a:t>2021/7/29</a:t>
+              <a:t>2022/1/17</a:t>
             </a:fld>
             <a:endParaRPr kumimoji="1" lang="ja-JP" altLang="en-US"/>
           </a:p>
@@ -2282,7 +2282,7 @@
           <a:p>
             <a:fld id="{56F9016B-CCA6-43BE-8BEE-59565A35F4F7}" type="datetimeFigureOut">
               <a:rPr kumimoji="1" lang="ja-JP" altLang="en-US" smtClean="0"/>
-              <a:t>2021/7/29</a:t>
+              <a:t>2022/1/17</a:t>
             </a:fld>
             <a:endParaRPr kumimoji="1" lang="ja-JP" altLang="en-US"/>
           </a:p>
@@ -2400,7 +2400,7 @@
           <a:p>
             <a:fld id="{56F9016B-CCA6-43BE-8BEE-59565A35F4F7}" type="datetimeFigureOut">
               <a:rPr kumimoji="1" lang="ja-JP" altLang="en-US" smtClean="0"/>
-              <a:t>2021/7/29</a:t>
+              <a:t>2022/1/17</a:t>
             </a:fld>
             <a:endParaRPr kumimoji="1" lang="ja-JP" altLang="en-US"/>
           </a:p>
@@ -2495,7 +2495,7 @@
           <a:p>
             <a:fld id="{56F9016B-CCA6-43BE-8BEE-59565A35F4F7}" type="datetimeFigureOut">
               <a:rPr kumimoji="1" lang="ja-JP" altLang="en-US" smtClean="0"/>
-              <a:t>2021/7/29</a:t>
+              <a:t>2022/1/17</a:t>
             </a:fld>
             <a:endParaRPr kumimoji="1" lang="ja-JP" altLang="en-US"/>
           </a:p>
@@ -2804,7 +2804,7 @@
           <a:p>
             <a:fld id="{56F9016B-CCA6-43BE-8BEE-59565A35F4F7}" type="datetimeFigureOut">
               <a:rPr kumimoji="1" lang="ja-JP" altLang="en-US" smtClean="0"/>
-              <a:t>2021/7/29</a:t>
+              <a:t>2022/1/17</a:t>
             </a:fld>
             <a:endParaRPr kumimoji="1" lang="ja-JP" altLang="en-US"/>
           </a:p>
@@ -3057,7 +3057,7 @@
           <a:p>
             <a:fld id="{56F9016B-CCA6-43BE-8BEE-59565A35F4F7}" type="datetimeFigureOut">
               <a:rPr kumimoji="1" lang="ja-JP" altLang="en-US" smtClean="0"/>
-              <a:t>2021/7/29</a:t>
+              <a:t>2022/1/17</a:t>
             </a:fld>
             <a:endParaRPr kumimoji="1" lang="ja-JP" altLang="en-US"/>
           </a:p>
@@ -3334,7 +3334,7 @@
           <a:p>
             <a:fld id="{56F9016B-CCA6-43BE-8BEE-59565A35F4F7}" type="datetimeFigureOut">
               <a:rPr kumimoji="1" lang="ja-JP" altLang="en-US" smtClean="0"/>
-              <a:t>2021/7/29</a:t>
+              <a:t>2022/1/17</a:t>
             </a:fld>
             <a:endParaRPr kumimoji="1" lang="ja-JP" altLang="en-US"/>
           </a:p>
@@ -3546,7 +3546,7 @@
           <a:p>
             <a:fld id="{56F9016B-CCA6-43BE-8BEE-59565A35F4F7}" type="datetimeFigureOut">
               <a:rPr kumimoji="1" lang="ja-JP" altLang="en-US" smtClean="0"/>
-              <a:t>2021/7/29</a:t>
+              <a:t>2022/1/17</a:t>
             </a:fld>
             <a:endParaRPr kumimoji="1" lang="ja-JP" altLang="en-US"/>
           </a:p>
@@ -6605,7 +6605,7 @@
           <a:p>
             <a:fld id="{56F9016B-CCA6-43BE-8BEE-59565A35F4F7}" type="datetimeFigureOut">
               <a:rPr kumimoji="1" lang="ja-JP" altLang="en-US" smtClean="0"/>
-              <a:t>2021/7/29</a:t>
+              <a:t>2022/1/17</a:t>
             </a:fld>
             <a:endParaRPr kumimoji="1" lang="ja-JP" altLang="en-US"/>
           </a:p>
@@ -7038,18 +7038,17 @@
           <a:lstStyle/>
           <a:p>
             <a:r>
-              <a:rPr lang="ja-JP" altLang="en-US" dirty="0" smtClean="0"/>
-              <a:t>第</a:t>
+              <a:rPr lang="en-US" altLang="ja-JP" dirty="0" err="1"/>
+              <a:t>Exastro</a:t>
+            </a:r>
+            <a:r>
+              <a:rPr lang="en-US" altLang="ja-JP" dirty="0"/>
+              <a:t> IT Automation Version </a:t>
             </a:r>
             <a:r>
               <a:rPr lang="en-US" altLang="ja-JP" dirty="0" smtClean="0"/>
-              <a:t>1.8.0</a:t>
-            </a:r>
-            <a:r>
-              <a:rPr lang="ja-JP" altLang="en-US" dirty="0" smtClean="0"/>
-              <a:t>版</a:t>
-            </a:r>
-            <a:endParaRPr lang="en-US" altLang="ja-JP" dirty="0" smtClean="0"/>
+              <a:t>1.9</a:t>
+            </a:r>
           </a:p>
           <a:p>
             <a:r>
@@ -7078,7 +7077,7 @@
         </p:nvSpPr>
         <p:spPr bwMode="gray">
           <a:xfrm>
-            <a:off x="0" y="2995471"/>
+            <a:off x="0" y="3139491"/>
             <a:ext cx="9143999" cy="1513679"/>
           </a:xfrm>
           <a:prstGeom prst="rect">
@@ -7570,7 +7569,7 @@
         </p:blipFill>
         <p:spPr>
           <a:xfrm>
-            <a:off x="0" y="2134104"/>
+            <a:off x="0" y="1916790"/>
             <a:ext cx="9144000" cy="1016000"/>
           </a:xfrm>
           <a:prstGeom prst="rect">
@@ -7645,6 +7644,30 @@
           <a:chExt cx="0" cy="0"/>
         </a:xfrm>
       </p:grpSpPr>
+      <p:pic>
+        <p:nvPicPr>
+          <p:cNvPr id="8" name="図 7"/>
+          <p:cNvPicPr>
+            <a:picLocks noChangeAspect="1"/>
+          </p:cNvPicPr>
+          <p:nvPr/>
+        </p:nvPicPr>
+        <p:blipFill>
+          <a:blip r:embed="rId2"/>
+          <a:stretch>
+            <a:fillRect/>
+          </a:stretch>
+        </p:blipFill>
+        <p:spPr>
+          <a:xfrm>
+            <a:off x="369007" y="2683410"/>
+            <a:ext cx="7000518" cy="2316853"/>
+          </a:xfrm>
+          <a:prstGeom prst="rect">
+            <a:avLst/>
+          </a:prstGeom>
+        </p:spPr>
+      </p:pic>
       <p:sp>
         <p:nvSpPr>
           <p:cNvPr id="2" name="タイトル 1"/>
@@ -7786,30 +7809,6 @@
           </a:p>
         </p:txBody>
       </p:sp>
-      <p:pic>
-        <p:nvPicPr>
-          <p:cNvPr id="4" name="図 3"/>
-          <p:cNvPicPr>
-            <a:picLocks noChangeAspect="1"/>
-          </p:cNvPicPr>
-          <p:nvPr/>
-        </p:nvPicPr>
-        <p:blipFill>
-          <a:blip r:embed="rId2"/>
-          <a:stretch>
-            <a:fillRect/>
-          </a:stretch>
-        </p:blipFill>
-        <p:spPr>
-          <a:xfrm>
-            <a:off x="164888" y="2852920"/>
-            <a:ext cx="4693353" cy="2105666"/>
-          </a:xfrm>
-          <a:prstGeom prst="rect">
-            <a:avLst/>
-          </a:prstGeom>
-        </p:spPr>
-      </p:pic>
       <p:sp>
         <p:nvSpPr>
           <p:cNvPr id="6" name="角丸四角形 5"/>
@@ -7818,8 +7817,8 @@
         </p:nvSpPr>
         <p:spPr bwMode="auto">
           <a:xfrm flipV="1">
-            <a:off x="288000" y="3276000"/>
-            <a:ext cx="4572000" cy="684000"/>
+            <a:off x="529788" y="3084623"/>
+            <a:ext cx="2530002" cy="1217069"/>
           </a:xfrm>
           <a:prstGeom prst="roundRect">
             <a:avLst>
@@ -7956,7 +7955,7 @@
         </p:nvSpPr>
         <p:spPr bwMode="auto">
           <a:xfrm>
-            <a:off x="2716694" y="4221110"/>
+            <a:off x="3139565" y="4622322"/>
             <a:ext cx="4447665" cy="1080150"/>
           </a:xfrm>
           <a:prstGeom prst="roundRect">
@@ -8013,13 +8012,13 @@
           <p:nvPr>
             <p:extLst>
               <p:ext uri="{D42A27DB-BD31-4B8C-83A1-F6EECF244321}">
-                <p14:modId xmlns:p14="http://schemas.microsoft.com/office/powerpoint/2010/main" val="3767845458"/>
+                <p14:modId xmlns:p14="http://schemas.microsoft.com/office/powerpoint/2010/main" val="2544747909"/>
               </p:ext>
             </p:extLst>
           </p:nvPr>
         </p:nvGraphicFramePr>
         <p:xfrm>
-          <a:off x="2815788" y="4301693"/>
+          <a:off x="3238659" y="4702905"/>
           <a:ext cx="4304762" cy="936129"/>
         </p:xfrm>
         <a:graphic>
@@ -8206,13 +8205,13 @@
         </p:nvSpPr>
         <p:spPr bwMode="auto">
           <a:xfrm>
-            <a:off x="2555720" y="4039971"/>
+            <a:off x="2978591" y="4441183"/>
             <a:ext cx="321951" cy="325481"/>
           </a:xfrm>
           <a:prstGeom prst="wedgeEllipseCallout">
             <a:avLst>
-              <a:gd name="adj1" fmla="val -55067"/>
-              <a:gd name="adj2" fmla="val -185707"/>
+              <a:gd name="adj1" fmla="val -78735"/>
+              <a:gd name="adj2" fmla="val -83282"/>
             </a:avLst>
           </a:prstGeom>
           <a:solidFill>
@@ -8849,22 +8848,21 @@
       </p:grpSpPr>
       <p:pic>
         <p:nvPicPr>
-          <p:cNvPr id="5" name="図 4"/>
+          <p:cNvPr id="11" name="図 10"/>
           <p:cNvPicPr>
             <a:picLocks noChangeAspect="1"/>
           </p:cNvPicPr>
           <p:nvPr/>
         </p:nvPicPr>
-        <p:blipFill>
+        <p:blipFill rotWithShape="1">
           <a:blip r:embed="rId2"/>
-          <a:stretch>
-            <a:fillRect/>
-          </a:stretch>
+          <a:srcRect b="17900"/>
+          <a:stretch/>
         </p:blipFill>
         <p:spPr>
           <a:xfrm>
-            <a:off x="200811" y="2790086"/>
-            <a:ext cx="2552670" cy="3809062"/>
+            <a:off x="154438" y="2734457"/>
+            <a:ext cx="2631549" cy="3790973"/>
           </a:xfrm>
           <a:prstGeom prst="rect">
             <a:avLst/>
@@ -8879,8 +8877,8 @@
         </p:nvSpPr>
         <p:spPr bwMode="auto">
           <a:xfrm>
-            <a:off x="2716694" y="5285089"/>
-            <a:ext cx="5167766" cy="1384361"/>
+            <a:off x="2722403" y="4800252"/>
+            <a:ext cx="5167766" cy="1852170"/>
           </a:xfrm>
           <a:prstGeom prst="roundRect">
             <a:avLst>
@@ -8935,7 +8933,7 @@
         </p:nvSpPr>
         <p:spPr bwMode="auto">
           <a:xfrm>
-            <a:off x="2716694" y="3231691"/>
+            <a:off x="2716694" y="2943651"/>
             <a:ext cx="5167766" cy="1728240"/>
           </a:xfrm>
           <a:prstGeom prst="roundRect">
@@ -9122,10 +9120,22 @@
             </a:r>
             <a:r>
               <a:rPr lang="ja-JP" altLang="en-US" sz="1600" dirty="0"/>
-              <a:t>対象メニューグループ</a:t>
-            </a:r>
-            <a:r>
-              <a:rPr lang="en-US" altLang="ja-JP" sz="1600" dirty="0"/>
+              <a:t>対象</a:t>
+            </a:r>
+            <a:r>
+              <a:rPr lang="ja-JP" altLang="en-US" sz="1600" dirty="0" smtClean="0"/>
+              <a:t>メニューグループ</a:t>
+            </a:r>
+            <a:r>
+              <a:rPr lang="ja-JP" altLang="en-US" sz="1600" dirty="0" smtClean="0"/>
+              <a:t>を</a:t>
+            </a:r>
+            <a:r>
+              <a:rPr lang="ja-JP" altLang="en-US" sz="1600" dirty="0"/>
+              <a:t>選択</a:t>
+            </a:r>
+            <a:r>
+              <a:rPr lang="en-US" altLang="ja-JP" sz="1600" dirty="0" smtClean="0"/>
               <a:t>]</a:t>
             </a:r>
             <a:r>
@@ -9172,13 +9182,13 @@
           <p:nvPr>
             <p:extLst>
               <p:ext uri="{D42A27DB-BD31-4B8C-83A1-F6EECF244321}">
-                <p14:modId xmlns:p14="http://schemas.microsoft.com/office/powerpoint/2010/main" val="1759640054"/>
+                <p14:modId xmlns:p14="http://schemas.microsoft.com/office/powerpoint/2010/main" val="347167426"/>
               </p:ext>
             </p:extLst>
           </p:nvPr>
         </p:nvGraphicFramePr>
         <p:xfrm>
-          <a:off x="2828786" y="3276000"/>
+          <a:off x="2828786" y="2987960"/>
           <a:ext cx="4996782" cy="1658095"/>
         </p:xfrm>
         <a:graphic>
@@ -9403,8 +9413,8 @@
         </p:nvSpPr>
         <p:spPr bwMode="auto">
           <a:xfrm rot="10800000" flipV="1">
-            <a:off x="323410" y="6237390"/>
-            <a:ext cx="1080150" cy="216030"/>
+            <a:off x="323410" y="6208815"/>
+            <a:ext cx="1224170" cy="216030"/>
           </a:xfrm>
           <a:prstGeom prst="roundRect">
             <a:avLst>
@@ -9671,36 +9681,6 @@
           </a:p>
         </p:txBody>
       </p:sp>
-      <p:pic>
-        <p:nvPicPr>
-          <p:cNvPr id="14" name="図 13"/>
-          <p:cNvPicPr>
-            <a:picLocks noChangeAspect="1"/>
-          </p:cNvPicPr>
-          <p:nvPr/>
-        </p:nvPicPr>
-        <p:blipFill>
-          <a:blip r:embed="rId3">
-            <a:extLst>
-              <a:ext uri="{28A0092B-C50C-407E-A947-70E740481C1C}">
-                <a14:useLocalDpi xmlns:a14="http://schemas.microsoft.com/office/drawing/2010/main" val="0"/>
-              </a:ext>
-            </a:extLst>
-          </a:blip>
-          <a:stretch>
-            <a:fillRect/>
-          </a:stretch>
-        </p:blipFill>
-        <p:spPr>
-          <a:xfrm>
-            <a:off x="2773743" y="5353183"/>
-            <a:ext cx="5040578" cy="1247626"/>
-          </a:xfrm>
-          <a:prstGeom prst="rect">
-            <a:avLst/>
-          </a:prstGeom>
-        </p:spPr>
-      </p:pic>
       <p:sp>
         <p:nvSpPr>
           <p:cNvPr id="16" name="円形吹き出し 15"/>
@@ -9709,13 +9689,13 @@
         </p:nvSpPr>
         <p:spPr bwMode="auto">
           <a:xfrm>
-            <a:off x="2576372" y="3068950"/>
+            <a:off x="2576372" y="2780910"/>
             <a:ext cx="321951" cy="325481"/>
           </a:xfrm>
           <a:prstGeom prst="wedgeEllipseCallout">
             <a:avLst>
               <a:gd name="adj1" fmla="val -100036"/>
-              <a:gd name="adj2" fmla="val 39043"/>
+              <a:gd name="adj2" fmla="val 58418"/>
             </a:avLst>
           </a:prstGeom>
           <a:solidFill>
@@ -9769,13 +9749,13 @@
         </p:nvSpPr>
         <p:spPr bwMode="auto">
           <a:xfrm>
-            <a:off x="2555720" y="5103950"/>
+            <a:off x="2576372" y="4703852"/>
             <a:ext cx="321951" cy="325481"/>
           </a:xfrm>
           <a:prstGeom prst="wedgeEllipseCallout">
             <a:avLst>
-              <a:gd name="adj1" fmla="val -414824"/>
-              <a:gd name="adj2" fmla="val 298911"/>
+              <a:gd name="adj1" fmla="val -388707"/>
+              <a:gd name="adj2" fmla="val 402245"/>
             </a:avLst>
           </a:prstGeom>
           <a:solidFill>
@@ -9813,12 +9793,12 @@
           <a:p>
             <a:pPr algn="ctr"/>
             <a:r>
-              <a:rPr kumimoji="1" lang="en-US" altLang="ja-JP" sz="1400" b="1" smtClean="0">
+              <a:rPr kumimoji="1" lang="en-US" altLang="ja-JP" sz="1400" b="1" dirty="0" smtClean="0">
                 <a:latin typeface="+mn-ea"/>
               </a:rPr>
               <a:t>2</a:t>
             </a:r>
-            <a:endParaRPr kumimoji="1" lang="ja-JP" altLang="en-US" sz="1400" b="1" smtClean="0">
+            <a:endParaRPr kumimoji="1" lang="ja-JP" altLang="en-US" sz="1400" b="1" dirty="0" smtClean="0">
               <a:latin typeface="+mn-ea"/>
             </a:endParaRPr>
           </a:p>
@@ -10367,6 +10347,443 @@
             <a:endParaRPr kumimoji="1" lang="ja-JP" altLang="en-US" sz="900" b="1" dirty="0" smtClean="0">
               <a:solidFill>
                 <a:schemeClr val="tx1"/>
+              </a:solidFill>
+              <a:latin typeface="+mn-ea"/>
+            </a:endParaRPr>
+          </a:p>
+        </p:txBody>
+      </p:sp>
+      <p:pic>
+        <p:nvPicPr>
+          <p:cNvPr id="8" name="図 7"/>
+          <p:cNvPicPr>
+            <a:picLocks noChangeAspect="1"/>
+          </p:cNvPicPr>
+          <p:nvPr/>
+        </p:nvPicPr>
+        <p:blipFill rotWithShape="1">
+          <a:blip r:embed="rId3"/>
+          <a:srcRect b="12407"/>
+          <a:stretch/>
+        </p:blipFill>
+        <p:spPr>
+          <a:xfrm>
+            <a:off x="3016306" y="4836726"/>
+            <a:ext cx="4637834" cy="1780174"/>
+          </a:xfrm>
+          <a:prstGeom prst="rect">
+            <a:avLst/>
+          </a:prstGeom>
+        </p:spPr>
+      </p:pic>
+      <p:sp>
+        <p:nvSpPr>
+          <p:cNvPr id="28" name="角丸四角形 27"/>
+          <p:cNvSpPr/>
+          <p:nvPr/>
+        </p:nvSpPr>
+        <p:spPr bwMode="auto">
+          <a:xfrm rot="10800000" flipV="1">
+            <a:off x="3131799" y="5562622"/>
+            <a:ext cx="4427977" cy="178746"/>
+          </a:xfrm>
+          <a:prstGeom prst="roundRect">
+            <a:avLst>
+              <a:gd name="adj" fmla="val 5764"/>
+            </a:avLst>
+          </a:prstGeom>
+          <a:noFill/>
+          <a:ln w="28575">
+            <a:solidFill>
+              <a:srgbClr val="FF0000"/>
+            </a:solidFill>
+          </a:ln>
+          <a:effectLst/>
+          <a:extLst/>
+        </p:spPr>
+        <p:txBody>
+          <a:bodyPr rot="0" spcFirstLastPara="0" vert="horz" wrap="none" lIns="72000" tIns="72000" rIns="72000" bIns="72000" numCol="1" spcCol="0" rtlCol="0" fromWordArt="0" anchor="ctr" anchorCtr="0" forceAA="0" compatLnSpc="1">
+            <a:prstTxWarp prst="textNoShape">
+              <a:avLst/>
+            </a:prstTxWarp>
+            <a:noAutofit/>
+          </a:bodyPr>
+          <a:lstStyle>
+            <a:defPPr>
+              <a:defRPr lang="ja-JP"/>
+            </a:defPPr>
+            <a:lvl1pPr marL="0" algn="l" defTabSz="914400" rtl="0" eaLnBrk="1" latinLnBrk="0" hangingPunct="1">
+              <a:defRPr kumimoji="1" sz="1800" kern="1200">
+                <a:solidFill>
+                  <a:schemeClr val="tx1"/>
+                </a:solidFill>
+                <a:latin typeface="+mn-lt"/>
+                <a:ea typeface="+mn-ea"/>
+                <a:cs typeface="+mn-cs"/>
+              </a:defRPr>
+            </a:lvl1pPr>
+            <a:lvl2pPr marL="457200" algn="l" defTabSz="914400" rtl="0" eaLnBrk="1" latinLnBrk="0" hangingPunct="1">
+              <a:defRPr kumimoji="1" sz="1800" kern="1200">
+                <a:solidFill>
+                  <a:schemeClr val="tx1"/>
+                </a:solidFill>
+                <a:latin typeface="+mn-lt"/>
+                <a:ea typeface="+mn-ea"/>
+                <a:cs typeface="+mn-cs"/>
+              </a:defRPr>
+            </a:lvl2pPr>
+            <a:lvl3pPr marL="914400" algn="l" defTabSz="914400" rtl="0" eaLnBrk="1" latinLnBrk="0" hangingPunct="1">
+              <a:defRPr kumimoji="1" sz="1800" kern="1200">
+                <a:solidFill>
+                  <a:schemeClr val="tx1"/>
+                </a:solidFill>
+                <a:latin typeface="+mn-lt"/>
+                <a:ea typeface="+mn-ea"/>
+                <a:cs typeface="+mn-cs"/>
+              </a:defRPr>
+            </a:lvl3pPr>
+            <a:lvl4pPr marL="1371600" algn="l" defTabSz="914400" rtl="0" eaLnBrk="1" latinLnBrk="0" hangingPunct="1">
+              <a:defRPr kumimoji="1" sz="1800" kern="1200">
+                <a:solidFill>
+                  <a:schemeClr val="tx1"/>
+                </a:solidFill>
+                <a:latin typeface="+mn-lt"/>
+                <a:ea typeface="+mn-ea"/>
+                <a:cs typeface="+mn-cs"/>
+              </a:defRPr>
+            </a:lvl4pPr>
+            <a:lvl5pPr marL="1828800" algn="l" defTabSz="914400" rtl="0" eaLnBrk="1" latinLnBrk="0" hangingPunct="1">
+              <a:defRPr kumimoji="1" sz="1800" kern="1200">
+                <a:solidFill>
+                  <a:schemeClr val="tx1"/>
+                </a:solidFill>
+                <a:latin typeface="+mn-lt"/>
+                <a:ea typeface="+mn-ea"/>
+                <a:cs typeface="+mn-cs"/>
+              </a:defRPr>
+            </a:lvl5pPr>
+            <a:lvl6pPr marL="2286000" algn="l" defTabSz="914400" rtl="0" eaLnBrk="1" latinLnBrk="0" hangingPunct="1">
+              <a:defRPr kumimoji="1" sz="1800" kern="1200">
+                <a:solidFill>
+                  <a:schemeClr val="tx1"/>
+                </a:solidFill>
+                <a:latin typeface="+mn-lt"/>
+                <a:ea typeface="+mn-ea"/>
+                <a:cs typeface="+mn-cs"/>
+              </a:defRPr>
+            </a:lvl6pPr>
+            <a:lvl7pPr marL="2743200" algn="l" defTabSz="914400" rtl="0" eaLnBrk="1" latinLnBrk="0" hangingPunct="1">
+              <a:defRPr kumimoji="1" sz="1800" kern="1200">
+                <a:solidFill>
+                  <a:schemeClr val="tx1"/>
+                </a:solidFill>
+                <a:latin typeface="+mn-lt"/>
+                <a:ea typeface="+mn-ea"/>
+                <a:cs typeface="+mn-cs"/>
+              </a:defRPr>
+            </a:lvl7pPr>
+            <a:lvl8pPr marL="3200400" algn="l" defTabSz="914400" rtl="0" eaLnBrk="1" latinLnBrk="0" hangingPunct="1">
+              <a:defRPr kumimoji="1" sz="1800" kern="1200">
+                <a:solidFill>
+                  <a:schemeClr val="tx1"/>
+                </a:solidFill>
+                <a:latin typeface="+mn-lt"/>
+                <a:ea typeface="+mn-ea"/>
+                <a:cs typeface="+mn-cs"/>
+              </a:defRPr>
+            </a:lvl8pPr>
+            <a:lvl9pPr marL="3657600" algn="l" defTabSz="914400" rtl="0" eaLnBrk="1" latinLnBrk="0" hangingPunct="1">
+              <a:defRPr kumimoji="1" sz="1800" kern="1200">
+                <a:solidFill>
+                  <a:schemeClr val="tx1"/>
+                </a:solidFill>
+                <a:latin typeface="+mn-lt"/>
+                <a:ea typeface="+mn-ea"/>
+                <a:cs typeface="+mn-cs"/>
+              </a:defRPr>
+            </a:lvl9pPr>
+          </a:lstStyle>
+          <a:p>
+            <a:pPr algn="ctr"/>
+            <a:endParaRPr kumimoji="1" lang="ja-JP" altLang="en-US" sz="1400" b="1" smtClean="0">
+              <a:solidFill>
+                <a:srgbClr val="FF0000"/>
+              </a:solidFill>
+              <a:latin typeface="+mn-ea"/>
+            </a:endParaRPr>
+          </a:p>
+        </p:txBody>
+      </p:sp>
+      <p:sp>
+        <p:nvSpPr>
+          <p:cNvPr id="29" name="角丸四角形 28"/>
+          <p:cNvSpPr/>
+          <p:nvPr/>
+        </p:nvSpPr>
+        <p:spPr bwMode="auto">
+          <a:xfrm rot="10800000" flipV="1">
+            <a:off x="3131801" y="5779930"/>
+            <a:ext cx="4427977" cy="178746"/>
+          </a:xfrm>
+          <a:prstGeom prst="roundRect">
+            <a:avLst>
+              <a:gd name="adj" fmla="val 5764"/>
+            </a:avLst>
+          </a:prstGeom>
+          <a:noFill/>
+          <a:ln w="28575">
+            <a:solidFill>
+              <a:srgbClr val="FF0000"/>
+            </a:solidFill>
+          </a:ln>
+          <a:effectLst/>
+          <a:extLst/>
+        </p:spPr>
+        <p:txBody>
+          <a:bodyPr rot="0" spcFirstLastPara="0" vert="horz" wrap="none" lIns="72000" tIns="72000" rIns="72000" bIns="72000" numCol="1" spcCol="0" rtlCol="0" fromWordArt="0" anchor="ctr" anchorCtr="0" forceAA="0" compatLnSpc="1">
+            <a:prstTxWarp prst="textNoShape">
+              <a:avLst/>
+            </a:prstTxWarp>
+            <a:noAutofit/>
+          </a:bodyPr>
+          <a:lstStyle>
+            <a:defPPr>
+              <a:defRPr lang="ja-JP"/>
+            </a:defPPr>
+            <a:lvl1pPr marL="0" algn="l" defTabSz="914400" rtl="0" eaLnBrk="1" latinLnBrk="0" hangingPunct="1">
+              <a:defRPr kumimoji="1" sz="1800" kern="1200">
+                <a:solidFill>
+                  <a:schemeClr val="tx1"/>
+                </a:solidFill>
+                <a:latin typeface="+mn-lt"/>
+                <a:ea typeface="+mn-ea"/>
+                <a:cs typeface="+mn-cs"/>
+              </a:defRPr>
+            </a:lvl1pPr>
+            <a:lvl2pPr marL="457200" algn="l" defTabSz="914400" rtl="0" eaLnBrk="1" latinLnBrk="0" hangingPunct="1">
+              <a:defRPr kumimoji="1" sz="1800" kern="1200">
+                <a:solidFill>
+                  <a:schemeClr val="tx1"/>
+                </a:solidFill>
+                <a:latin typeface="+mn-lt"/>
+                <a:ea typeface="+mn-ea"/>
+                <a:cs typeface="+mn-cs"/>
+              </a:defRPr>
+            </a:lvl2pPr>
+            <a:lvl3pPr marL="914400" algn="l" defTabSz="914400" rtl="0" eaLnBrk="1" latinLnBrk="0" hangingPunct="1">
+              <a:defRPr kumimoji="1" sz="1800" kern="1200">
+                <a:solidFill>
+                  <a:schemeClr val="tx1"/>
+                </a:solidFill>
+                <a:latin typeface="+mn-lt"/>
+                <a:ea typeface="+mn-ea"/>
+                <a:cs typeface="+mn-cs"/>
+              </a:defRPr>
+            </a:lvl3pPr>
+            <a:lvl4pPr marL="1371600" algn="l" defTabSz="914400" rtl="0" eaLnBrk="1" latinLnBrk="0" hangingPunct="1">
+              <a:defRPr kumimoji="1" sz="1800" kern="1200">
+                <a:solidFill>
+                  <a:schemeClr val="tx1"/>
+                </a:solidFill>
+                <a:latin typeface="+mn-lt"/>
+                <a:ea typeface="+mn-ea"/>
+                <a:cs typeface="+mn-cs"/>
+              </a:defRPr>
+            </a:lvl4pPr>
+            <a:lvl5pPr marL="1828800" algn="l" defTabSz="914400" rtl="0" eaLnBrk="1" latinLnBrk="0" hangingPunct="1">
+              <a:defRPr kumimoji="1" sz="1800" kern="1200">
+                <a:solidFill>
+                  <a:schemeClr val="tx1"/>
+                </a:solidFill>
+                <a:latin typeface="+mn-lt"/>
+                <a:ea typeface="+mn-ea"/>
+                <a:cs typeface="+mn-cs"/>
+              </a:defRPr>
+            </a:lvl5pPr>
+            <a:lvl6pPr marL="2286000" algn="l" defTabSz="914400" rtl="0" eaLnBrk="1" latinLnBrk="0" hangingPunct="1">
+              <a:defRPr kumimoji="1" sz="1800" kern="1200">
+                <a:solidFill>
+                  <a:schemeClr val="tx1"/>
+                </a:solidFill>
+                <a:latin typeface="+mn-lt"/>
+                <a:ea typeface="+mn-ea"/>
+                <a:cs typeface="+mn-cs"/>
+              </a:defRPr>
+            </a:lvl6pPr>
+            <a:lvl7pPr marL="2743200" algn="l" defTabSz="914400" rtl="0" eaLnBrk="1" latinLnBrk="0" hangingPunct="1">
+              <a:defRPr kumimoji="1" sz="1800" kern="1200">
+                <a:solidFill>
+                  <a:schemeClr val="tx1"/>
+                </a:solidFill>
+                <a:latin typeface="+mn-lt"/>
+                <a:ea typeface="+mn-ea"/>
+                <a:cs typeface="+mn-cs"/>
+              </a:defRPr>
+            </a:lvl7pPr>
+            <a:lvl8pPr marL="3200400" algn="l" defTabSz="914400" rtl="0" eaLnBrk="1" latinLnBrk="0" hangingPunct="1">
+              <a:defRPr kumimoji="1" sz="1800" kern="1200">
+                <a:solidFill>
+                  <a:schemeClr val="tx1"/>
+                </a:solidFill>
+                <a:latin typeface="+mn-lt"/>
+                <a:ea typeface="+mn-ea"/>
+                <a:cs typeface="+mn-cs"/>
+              </a:defRPr>
+            </a:lvl8pPr>
+            <a:lvl9pPr marL="3657600" algn="l" defTabSz="914400" rtl="0" eaLnBrk="1" latinLnBrk="0" hangingPunct="1">
+              <a:defRPr kumimoji="1" sz="1800" kern="1200">
+                <a:solidFill>
+                  <a:schemeClr val="tx1"/>
+                </a:solidFill>
+                <a:latin typeface="+mn-lt"/>
+                <a:ea typeface="+mn-ea"/>
+                <a:cs typeface="+mn-cs"/>
+              </a:defRPr>
+            </a:lvl9pPr>
+          </a:lstStyle>
+          <a:p>
+            <a:pPr algn="ctr"/>
+            <a:endParaRPr kumimoji="1" lang="ja-JP" altLang="en-US" sz="1400" b="1" smtClean="0">
+              <a:solidFill>
+                <a:srgbClr val="FF0000"/>
+              </a:solidFill>
+              <a:latin typeface="+mn-ea"/>
+            </a:endParaRPr>
+          </a:p>
+        </p:txBody>
+      </p:sp>
+      <p:sp>
+        <p:nvSpPr>
+          <p:cNvPr id="30" name="角丸四角形 29"/>
+          <p:cNvSpPr/>
+          <p:nvPr/>
+        </p:nvSpPr>
+        <p:spPr bwMode="auto">
+          <a:xfrm rot="10800000" flipV="1">
+            <a:off x="3137669" y="6335681"/>
+            <a:ext cx="4427977" cy="178746"/>
+          </a:xfrm>
+          <a:prstGeom prst="roundRect">
+            <a:avLst>
+              <a:gd name="adj" fmla="val 5764"/>
+            </a:avLst>
+          </a:prstGeom>
+          <a:noFill/>
+          <a:ln w="28575">
+            <a:solidFill>
+              <a:srgbClr val="FF0000"/>
+            </a:solidFill>
+          </a:ln>
+          <a:effectLst/>
+          <a:extLst/>
+        </p:spPr>
+        <p:txBody>
+          <a:bodyPr rot="0" spcFirstLastPara="0" vert="horz" wrap="none" lIns="72000" tIns="72000" rIns="72000" bIns="72000" numCol="1" spcCol="0" rtlCol="0" fromWordArt="0" anchor="ctr" anchorCtr="0" forceAA="0" compatLnSpc="1">
+            <a:prstTxWarp prst="textNoShape">
+              <a:avLst/>
+            </a:prstTxWarp>
+            <a:noAutofit/>
+          </a:bodyPr>
+          <a:lstStyle>
+            <a:defPPr>
+              <a:defRPr lang="ja-JP"/>
+            </a:defPPr>
+            <a:lvl1pPr marL="0" algn="l" defTabSz="914400" rtl="0" eaLnBrk="1" latinLnBrk="0" hangingPunct="1">
+              <a:defRPr kumimoji="1" sz="1800" kern="1200">
+                <a:solidFill>
+                  <a:schemeClr val="tx1"/>
+                </a:solidFill>
+                <a:latin typeface="+mn-lt"/>
+                <a:ea typeface="+mn-ea"/>
+                <a:cs typeface="+mn-cs"/>
+              </a:defRPr>
+            </a:lvl1pPr>
+            <a:lvl2pPr marL="457200" algn="l" defTabSz="914400" rtl="0" eaLnBrk="1" latinLnBrk="0" hangingPunct="1">
+              <a:defRPr kumimoji="1" sz="1800" kern="1200">
+                <a:solidFill>
+                  <a:schemeClr val="tx1"/>
+                </a:solidFill>
+                <a:latin typeface="+mn-lt"/>
+                <a:ea typeface="+mn-ea"/>
+                <a:cs typeface="+mn-cs"/>
+              </a:defRPr>
+            </a:lvl2pPr>
+            <a:lvl3pPr marL="914400" algn="l" defTabSz="914400" rtl="0" eaLnBrk="1" latinLnBrk="0" hangingPunct="1">
+              <a:defRPr kumimoji="1" sz="1800" kern="1200">
+                <a:solidFill>
+                  <a:schemeClr val="tx1"/>
+                </a:solidFill>
+                <a:latin typeface="+mn-lt"/>
+                <a:ea typeface="+mn-ea"/>
+                <a:cs typeface="+mn-cs"/>
+              </a:defRPr>
+            </a:lvl3pPr>
+            <a:lvl4pPr marL="1371600" algn="l" defTabSz="914400" rtl="0" eaLnBrk="1" latinLnBrk="0" hangingPunct="1">
+              <a:defRPr kumimoji="1" sz="1800" kern="1200">
+                <a:solidFill>
+                  <a:schemeClr val="tx1"/>
+                </a:solidFill>
+                <a:latin typeface="+mn-lt"/>
+                <a:ea typeface="+mn-ea"/>
+                <a:cs typeface="+mn-cs"/>
+              </a:defRPr>
+            </a:lvl4pPr>
+            <a:lvl5pPr marL="1828800" algn="l" defTabSz="914400" rtl="0" eaLnBrk="1" latinLnBrk="0" hangingPunct="1">
+              <a:defRPr kumimoji="1" sz="1800" kern="1200">
+                <a:solidFill>
+                  <a:schemeClr val="tx1"/>
+                </a:solidFill>
+                <a:latin typeface="+mn-lt"/>
+                <a:ea typeface="+mn-ea"/>
+                <a:cs typeface="+mn-cs"/>
+              </a:defRPr>
+            </a:lvl5pPr>
+            <a:lvl6pPr marL="2286000" algn="l" defTabSz="914400" rtl="0" eaLnBrk="1" latinLnBrk="0" hangingPunct="1">
+              <a:defRPr kumimoji="1" sz="1800" kern="1200">
+                <a:solidFill>
+                  <a:schemeClr val="tx1"/>
+                </a:solidFill>
+                <a:latin typeface="+mn-lt"/>
+                <a:ea typeface="+mn-ea"/>
+                <a:cs typeface="+mn-cs"/>
+              </a:defRPr>
+            </a:lvl6pPr>
+            <a:lvl7pPr marL="2743200" algn="l" defTabSz="914400" rtl="0" eaLnBrk="1" latinLnBrk="0" hangingPunct="1">
+              <a:defRPr kumimoji="1" sz="1800" kern="1200">
+                <a:solidFill>
+                  <a:schemeClr val="tx1"/>
+                </a:solidFill>
+                <a:latin typeface="+mn-lt"/>
+                <a:ea typeface="+mn-ea"/>
+                <a:cs typeface="+mn-cs"/>
+              </a:defRPr>
+            </a:lvl7pPr>
+            <a:lvl8pPr marL="3200400" algn="l" defTabSz="914400" rtl="0" eaLnBrk="1" latinLnBrk="0" hangingPunct="1">
+              <a:defRPr kumimoji="1" sz="1800" kern="1200">
+                <a:solidFill>
+                  <a:schemeClr val="tx1"/>
+                </a:solidFill>
+                <a:latin typeface="+mn-lt"/>
+                <a:ea typeface="+mn-ea"/>
+                <a:cs typeface="+mn-cs"/>
+              </a:defRPr>
+            </a:lvl8pPr>
+            <a:lvl9pPr marL="3657600" algn="l" defTabSz="914400" rtl="0" eaLnBrk="1" latinLnBrk="0" hangingPunct="1">
+              <a:defRPr kumimoji="1" sz="1800" kern="1200">
+                <a:solidFill>
+                  <a:schemeClr val="tx1"/>
+                </a:solidFill>
+                <a:latin typeface="+mn-lt"/>
+                <a:ea typeface="+mn-ea"/>
+                <a:cs typeface="+mn-cs"/>
+              </a:defRPr>
+            </a:lvl9pPr>
+          </a:lstStyle>
+          <a:p>
+            <a:pPr algn="ctr"/>
+            <a:endParaRPr kumimoji="1" lang="ja-JP" altLang="en-US" sz="1400" b="1" smtClean="0">
+              <a:solidFill>
+                <a:srgbClr val="FF0000"/>
               </a:solidFill>
               <a:latin typeface="+mn-ea"/>
             </a:endParaRPr>
@@ -11220,7 +11637,7 @@
         </p:nvSpPr>
         <p:spPr bwMode="auto">
           <a:xfrm>
-            <a:off x="705081" y="3055086"/>
+            <a:off x="827480" y="3055086"/>
             <a:ext cx="301542" cy="312200"/>
           </a:xfrm>
           <a:prstGeom prst="wedgeEllipseCallout">
@@ -12249,8 +12666,8 @@
         </p:nvSpPr>
         <p:spPr bwMode="auto">
           <a:xfrm>
-            <a:off x="397937" y="3133442"/>
-            <a:ext cx="5290428" cy="412320"/>
+            <a:off x="397937" y="3133441"/>
+            <a:ext cx="5290428" cy="594875"/>
           </a:xfrm>
           <a:prstGeom prst="roundRect">
             <a:avLst>
@@ -13188,10 +13605,18 @@
                     <a:lstStyle/>
                     <a:p>
                       <a:r>
-                        <a:rPr kumimoji="1" lang="en-US" altLang="ja-JP" sz="1400" smtClean="0"/>
-                        <a:t>/tmp/work1</a:t>
+                        <a:rPr kumimoji="1" lang="en-US" altLang="ja-JP" sz="1400" dirty="0" smtClean="0"/>
+                        <a:t>/</a:t>
                       </a:r>
-                      <a:endParaRPr kumimoji="1" lang="ja-JP" altLang="en-US" sz="1400"/>
+                      <a:r>
+                        <a:rPr kumimoji="1" lang="en-US" altLang="ja-JP" sz="1400" dirty="0" err="1" smtClean="0"/>
+                        <a:t>tmp</a:t>
+                      </a:r>
+                      <a:r>
+                        <a:rPr kumimoji="1" lang="en-US" altLang="ja-JP" sz="1400" dirty="0" smtClean="0"/>
+                        <a:t>/work1</a:t>
+                      </a:r>
+                      <a:endParaRPr kumimoji="1" lang="ja-JP" altLang="en-US" sz="1400" dirty="0"/>
                     </a:p>
                   </a:txBody>
                   <a:tcPr/>
@@ -13755,7 +14180,7 @@
       </p:grpSpPr>
       <p:pic>
         <p:nvPicPr>
-          <p:cNvPr id="4" name="図 3"/>
+          <p:cNvPr id="5" name="図 4"/>
           <p:cNvPicPr>
             <a:picLocks noChangeAspect="1"/>
           </p:cNvPicPr>
@@ -13769,8 +14194,32 @@
         </p:blipFill>
         <p:spPr>
           <a:xfrm>
-            <a:off x="324000" y="2134183"/>
-            <a:ext cx="7012834" cy="3869928"/>
+            <a:off x="316127" y="2174860"/>
+            <a:ext cx="7496323" cy="3448752"/>
+          </a:xfrm>
+          <a:prstGeom prst="rect">
+            <a:avLst/>
+          </a:prstGeom>
+        </p:spPr>
+      </p:pic>
+      <p:pic>
+        <p:nvPicPr>
+          <p:cNvPr id="8" name="図 7"/>
+          <p:cNvPicPr>
+            <a:picLocks noChangeAspect="1"/>
+          </p:cNvPicPr>
+          <p:nvPr/>
+        </p:nvPicPr>
+        <p:blipFill>
+          <a:blip r:embed="rId3"/>
+          <a:stretch>
+            <a:fillRect/>
+          </a:stretch>
+        </p:blipFill>
+        <p:spPr>
+          <a:xfrm>
+            <a:off x="1563696" y="5232914"/>
+            <a:ext cx="6040604" cy="1291870"/>
           </a:xfrm>
           <a:prstGeom prst="rect">
             <a:avLst/>
@@ -14692,35 +15141,6 @@
           </p:txBody>
         </p:sp>
       </p:grpSp>
-      <p:pic>
-        <p:nvPicPr>
-          <p:cNvPr id="29" name="図 28"/>
-          <p:cNvPicPr>
-            <a:picLocks noChangeAspect="1"/>
-          </p:cNvPicPr>
-          <p:nvPr/>
-        </p:nvPicPr>
-        <p:blipFill>
-          <a:blip r:embed="rId3"/>
-          <a:stretch>
-            <a:fillRect/>
-          </a:stretch>
-        </p:blipFill>
-        <p:spPr>
-          <a:xfrm>
-            <a:off x="1691600" y="5517290"/>
-            <a:ext cx="4913070" cy="924241"/>
-          </a:xfrm>
-          <a:prstGeom prst="rect">
-            <a:avLst/>
-          </a:prstGeom>
-          <a:ln>
-            <a:solidFill>
-              <a:schemeClr val="tx1"/>
-            </a:solidFill>
-          </a:ln>
-        </p:spPr>
-      </p:pic>
       <p:sp>
         <p:nvSpPr>
           <p:cNvPr id="27" name="角丸四角形 26"/>
@@ -14729,7 +15149,7 @@
         </p:nvSpPr>
         <p:spPr bwMode="auto">
           <a:xfrm>
-            <a:off x="3849544" y="5682951"/>
+            <a:off x="3823671" y="5627436"/>
             <a:ext cx="2503610" cy="404964"/>
           </a:xfrm>
           <a:prstGeom prst="roundRect">
@@ -14818,7 +15238,7 @@
         </p:nvSpPr>
         <p:spPr bwMode="auto">
           <a:xfrm>
-            <a:off x="3656274" y="5518860"/>
+            <a:off x="3630401" y="5463345"/>
             <a:ext cx="288040" cy="315543"/>
           </a:xfrm>
           <a:prstGeom prst="wedgeEllipseCallout">
@@ -14881,8 +15301,8 @@
         </p:nvSpPr>
         <p:spPr bwMode="auto">
           <a:xfrm>
-            <a:off x="2339482" y="5883971"/>
-            <a:ext cx="1178345" cy="240281"/>
+            <a:off x="2483710" y="5828456"/>
+            <a:ext cx="1008244" cy="242623"/>
           </a:xfrm>
           <a:prstGeom prst="rect">
             <a:avLst/>
@@ -15045,22 +15465,21 @@
       </p:grpSpPr>
       <p:pic>
         <p:nvPicPr>
-          <p:cNvPr id="5" name="図 4"/>
+          <p:cNvPr id="4" name="図 3"/>
           <p:cNvPicPr>
             <a:picLocks noChangeAspect="1"/>
           </p:cNvPicPr>
           <p:nvPr/>
         </p:nvPicPr>
-        <p:blipFill>
+        <p:blipFill rotWithShape="1">
           <a:blip r:embed="rId2"/>
-          <a:stretch>
-            <a:fillRect/>
-          </a:stretch>
+          <a:srcRect b="23064"/>
+          <a:stretch/>
         </p:blipFill>
         <p:spPr>
           <a:xfrm>
-            <a:off x="324000" y="3240000"/>
-            <a:ext cx="6789642" cy="986453"/>
+            <a:off x="328749" y="3304119"/>
+            <a:ext cx="7950786" cy="844982"/>
           </a:xfrm>
           <a:prstGeom prst="rect">
             <a:avLst/>
@@ -15260,8 +15679,8 @@
         </p:nvSpPr>
         <p:spPr bwMode="auto">
           <a:xfrm>
-            <a:off x="2268000" y="3564000"/>
-            <a:ext cx="1224170" cy="313201"/>
+            <a:off x="3779890" y="3933070"/>
+            <a:ext cx="1541513" cy="241191"/>
           </a:xfrm>
           <a:prstGeom prst="rect">
             <a:avLst/>
@@ -15939,7 +16358,7 @@
         </p:nvSpPr>
         <p:spPr bwMode="auto">
           <a:xfrm>
-            <a:off x="3420000" y="3960000"/>
+            <a:off x="5249233" y="4257060"/>
             <a:ext cx="288040" cy="315543"/>
           </a:xfrm>
           <a:prstGeom prst="wedgeEllipseCallout">
@@ -16033,7 +16452,7 @@
       </p:grpSpPr>
       <p:pic>
         <p:nvPicPr>
-          <p:cNvPr id="4" name="図 3"/>
+          <p:cNvPr id="9" name="図 8"/>
           <p:cNvPicPr>
             <a:picLocks noChangeAspect="1"/>
           </p:cNvPicPr>
@@ -16047,8 +16466,32 @@
         </p:blipFill>
         <p:spPr>
           <a:xfrm>
-            <a:off x="324000" y="2437757"/>
-            <a:ext cx="6429073" cy="3597120"/>
+            <a:off x="360000" y="2386061"/>
+            <a:ext cx="6402156" cy="3821076"/>
+          </a:xfrm>
+          <a:prstGeom prst="rect">
+            <a:avLst/>
+          </a:prstGeom>
+        </p:spPr>
+      </p:pic>
+      <p:pic>
+        <p:nvPicPr>
+          <p:cNvPr id="12" name="図 11"/>
+          <p:cNvPicPr>
+            <a:picLocks noChangeAspect="1"/>
+          </p:cNvPicPr>
+          <p:nvPr/>
+        </p:nvPicPr>
+        <p:blipFill>
+          <a:blip r:embed="rId3"/>
+          <a:stretch>
+            <a:fillRect/>
+          </a:stretch>
+        </p:blipFill>
+        <p:spPr>
+          <a:xfrm>
+            <a:off x="1174681" y="5352168"/>
+            <a:ext cx="3100156" cy="1175663"/>
           </a:xfrm>
           <a:prstGeom prst="rect">
             <a:avLst/>
@@ -16212,7 +16655,7 @@
         </p:nvSpPr>
         <p:spPr bwMode="auto">
           <a:xfrm>
-            <a:off x="2051650" y="3087334"/>
+            <a:off x="2436472" y="3202213"/>
             <a:ext cx="2808390" cy="415077"/>
           </a:xfrm>
           <a:prstGeom prst="roundRect">
@@ -16283,8 +16726,8 @@
         </p:nvSpPr>
         <p:spPr bwMode="auto">
           <a:xfrm>
-            <a:off x="324000" y="2743210"/>
-            <a:ext cx="1480462" cy="253731"/>
+            <a:off x="436424" y="2784616"/>
+            <a:ext cx="1545860" cy="253731"/>
           </a:xfrm>
           <a:prstGeom prst="rect">
             <a:avLst/>
@@ -16416,8 +16859,8 @@
         </p:nvSpPr>
         <p:spPr bwMode="auto">
           <a:xfrm>
-            <a:off x="360000" y="4068000"/>
-            <a:ext cx="1116000" cy="180000"/>
+            <a:off x="519980" y="4521588"/>
+            <a:ext cx="1187394" cy="203592"/>
           </a:xfrm>
           <a:prstGeom prst="rect">
             <a:avLst/>
@@ -16549,7 +16992,7 @@
         </p:nvGrpSpPr>
         <p:grpSpPr>
           <a:xfrm>
-            <a:off x="1656000" y="4269155"/>
+            <a:off x="1987272" y="4763550"/>
             <a:ext cx="3456480" cy="492770"/>
             <a:chOff x="1858380" y="4269155"/>
             <a:chExt cx="3456480" cy="492770"/>
@@ -17217,7 +17660,7 @@
         </p:nvSpPr>
         <p:spPr bwMode="auto">
           <a:xfrm>
-            <a:off x="1858380" y="2933356"/>
+            <a:off x="2243202" y="3048235"/>
             <a:ext cx="288040" cy="315543"/>
           </a:xfrm>
           <a:prstGeom prst="wedgeEllipseCallout">
@@ -17467,29 +17910,6 @@
           </p:txBody>
         </p:sp>
       </p:grpSp>
-      <p:pic>
-        <p:nvPicPr>
-          <p:cNvPr id="5" name="図 4"/>
-          <p:cNvPicPr>
-            <a:picLocks noChangeAspect="1"/>
-          </p:cNvPicPr>
-          <p:nvPr/>
-        </p:nvPicPr>
-        <p:blipFill rotWithShape="1">
-          <a:blip r:embed="rId3"/>
-          <a:srcRect l="25650"/>
-          <a:stretch/>
-        </p:blipFill>
-        <p:spPr>
-          <a:xfrm>
-            <a:off x="1480822" y="5447847"/>
-            <a:ext cx="2866634" cy="1080000"/>
-          </a:xfrm>
-          <a:prstGeom prst="rect">
-            <a:avLst/>
-          </a:prstGeom>
-        </p:spPr>
-      </p:pic>
       <p:sp>
         <p:nvSpPr>
           <p:cNvPr id="38" name="正方形/長方形 37"/>
@@ -17498,8 +17918,8 @@
         </p:nvSpPr>
         <p:spPr bwMode="auto">
           <a:xfrm>
-            <a:off x="1609082" y="5688000"/>
-            <a:ext cx="1202168" cy="252000"/>
+            <a:off x="1234304" y="5741267"/>
+            <a:ext cx="1537446" cy="262072"/>
           </a:xfrm>
           <a:prstGeom prst="rect">
             <a:avLst/>
@@ -17811,7 +18231,7 @@
       </p:grpSpPr>
       <p:pic>
         <p:nvPicPr>
-          <p:cNvPr id="6" name="図 5"/>
+          <p:cNvPr id="4" name="図 3"/>
           <p:cNvPicPr>
             <a:picLocks noChangeAspect="1"/>
           </p:cNvPicPr>
@@ -17825,8 +18245,8 @@
         </p:blipFill>
         <p:spPr>
           <a:xfrm>
-            <a:off x="324000" y="3455935"/>
-            <a:ext cx="6511472" cy="1212768"/>
+            <a:off x="292040" y="3460018"/>
+            <a:ext cx="8462465" cy="887020"/>
           </a:xfrm>
           <a:prstGeom prst="rect">
             <a:avLst/>
@@ -18041,8 +18461,8 @@
         </p:nvSpPr>
         <p:spPr bwMode="auto">
           <a:xfrm>
-            <a:off x="936000" y="3903528"/>
-            <a:ext cx="576000" cy="317582"/>
+            <a:off x="1187530" y="3882832"/>
+            <a:ext cx="720100" cy="443510"/>
           </a:xfrm>
           <a:prstGeom prst="rect">
             <a:avLst/>
@@ -18689,63 +19109,27 @@
       </p:grpSpPr>
       <p:pic>
         <p:nvPicPr>
-          <p:cNvPr id="4" name="図 3"/>
+          <p:cNvPr id="7" name="図 6"/>
           <p:cNvPicPr>
             <a:picLocks noChangeAspect="1"/>
           </p:cNvPicPr>
           <p:nvPr/>
         </p:nvPicPr>
-        <p:blipFill>
+        <p:blipFill rotWithShape="1">
           <a:blip r:embed="rId2"/>
-          <a:stretch>
-            <a:fillRect/>
-          </a:stretch>
+          <a:srcRect b="5013"/>
+          <a:stretch/>
         </p:blipFill>
         <p:spPr>
           <a:xfrm>
-            <a:off x="393971" y="3144982"/>
-            <a:ext cx="6840000" cy="811870"/>
+            <a:off x="393971" y="4955476"/>
+            <a:ext cx="8082685" cy="1543445"/>
           </a:xfrm>
           <a:prstGeom prst="rect">
             <a:avLst/>
           </a:prstGeom>
         </p:spPr>
       </p:pic>
-      <p:sp>
-        <p:nvSpPr>
-          <p:cNvPr id="2" name="タイトル 1"/>
-          <p:cNvSpPr>
-            <a:spLocks noGrp="1"/>
-          </p:cNvSpPr>
-          <p:nvPr>
-            <p:ph type="title"/>
-          </p:nvPr>
-        </p:nvSpPr>
-        <p:spPr/>
-        <p:txBody>
-          <a:bodyPr/>
-          <a:lstStyle/>
-          <a:p>
-            <a:r>
-              <a:rPr lang="en-US" altLang="ja-JP" dirty="0" smtClean="0"/>
-              <a:t>2.6</a:t>
-            </a:r>
-            <a:r>
-              <a:rPr lang="ja-JP" altLang="en-US" dirty="0"/>
-              <a:t>　</a:t>
-            </a:r>
-            <a:r>
-              <a:rPr lang="ja-JP" altLang="en-US" dirty="0" smtClean="0"/>
-              <a:t>メニューインポート</a:t>
-            </a:r>
-            <a:r>
-              <a:rPr lang="en-US" altLang="ja-JP" dirty="0" smtClean="0"/>
-              <a:t>(3/3)</a:t>
-            </a:r>
-            <a:endParaRPr kumimoji="1" lang="ja-JP" altLang="en-US" dirty="0"/>
-          </a:p>
-        </p:txBody>
-      </p:sp>
       <p:sp>
         <p:nvSpPr>
           <p:cNvPr id="3" name="コンテンツ プレースホルダー 2"/>
@@ -18895,6 +19279,65 @@
               <a:rPr lang="en-US" altLang="ja-JP" dirty="0" smtClean="0"/>
             </a:br>
             <a:endParaRPr lang="ja-JP" altLang="en-US" dirty="0" smtClean="0"/>
+          </a:p>
+        </p:txBody>
+      </p:sp>
+      <p:pic>
+        <p:nvPicPr>
+          <p:cNvPr id="6" name="図 5"/>
+          <p:cNvPicPr>
+            <a:picLocks noChangeAspect="1"/>
+          </p:cNvPicPr>
+          <p:nvPr/>
+        </p:nvPicPr>
+        <p:blipFill>
+          <a:blip r:embed="rId3"/>
+          <a:stretch>
+            <a:fillRect/>
+          </a:stretch>
+        </p:blipFill>
+        <p:spPr>
+          <a:xfrm>
+            <a:off x="393971" y="3202401"/>
+            <a:ext cx="7273636" cy="864248"/>
+          </a:xfrm>
+          <a:prstGeom prst="rect">
+            <a:avLst/>
+          </a:prstGeom>
+        </p:spPr>
+      </p:pic>
+      <p:sp>
+        <p:nvSpPr>
+          <p:cNvPr id="2" name="タイトル 1"/>
+          <p:cNvSpPr>
+            <a:spLocks noGrp="1"/>
+          </p:cNvSpPr>
+          <p:nvPr>
+            <p:ph type="title"/>
+          </p:nvPr>
+        </p:nvSpPr>
+        <p:spPr/>
+        <p:txBody>
+          <a:bodyPr/>
+          <a:lstStyle/>
+          <a:p>
+            <a:r>
+              <a:rPr lang="en-US" altLang="ja-JP" dirty="0" smtClean="0"/>
+              <a:t>2.6</a:t>
+            </a:r>
+            <a:r>
+              <a:rPr lang="ja-JP" altLang="en-US" dirty="0"/>
+              <a:t>　</a:t>
+            </a:r>
+            <a:r>
+              <a:rPr lang="ja-JP" altLang="en-US" dirty="0" smtClean="0"/>
+              <a:t>メニューインポート</a:t>
+            </a:r>
+            <a:r>
+              <a:rPr lang="en-US" altLang="ja-JP" dirty="0" smtClean="0"/>
+              <a:t>(3/3)</a:t>
+            </a:r>
+            <a:endParaRPr kumimoji="1" lang="ja-JP" altLang="en-US" dirty="0"/>
           </a:p>
         </p:txBody>
       </p:sp>
@@ -19411,8 +19854,8 @@
         </p:nvSpPr>
         <p:spPr bwMode="auto">
           <a:xfrm>
-            <a:off x="6156000" y="3455999"/>
-            <a:ext cx="1008000" cy="474869"/>
+            <a:off x="6516270" y="3529765"/>
+            <a:ext cx="1076343" cy="474869"/>
           </a:xfrm>
           <a:prstGeom prst="rect">
             <a:avLst/>
@@ -19719,41 +20162,6 @@
           </a:p>
         </p:txBody>
       </p:sp>
-      <p:pic>
-        <p:nvPicPr>
-          <p:cNvPr id="10" name="図 9"/>
-          <p:cNvPicPr>
-            <a:picLocks noChangeAspect="1"/>
-          </p:cNvPicPr>
-          <p:nvPr/>
-        </p:nvPicPr>
-        <p:blipFill>
-          <a:blip r:embed="rId3">
-            <a:extLst>
-              <a:ext uri="{28A0092B-C50C-407E-A947-70E740481C1C}">
-                <a14:useLocalDpi xmlns:a14="http://schemas.microsoft.com/office/drawing/2010/main" val="0"/>
-              </a:ext>
-            </a:extLst>
-          </a:blip>
-          <a:stretch>
-            <a:fillRect/>
-          </a:stretch>
-        </p:blipFill>
-        <p:spPr>
-          <a:xfrm>
-            <a:off x="504070" y="5004000"/>
-            <a:ext cx="5580140" cy="1479950"/>
-          </a:xfrm>
-          <a:prstGeom prst="rect">
-            <a:avLst/>
-          </a:prstGeom>
-          <a:ln>
-            <a:solidFill>
-              <a:schemeClr val="tx1"/>
-            </a:solidFill>
-          </a:ln>
-        </p:spPr>
-      </p:pic>
       <p:sp>
         <p:nvSpPr>
           <p:cNvPr id="23" name="正方形/長方形 22"/>
@@ -19762,8 +20170,8 @@
         </p:nvSpPr>
         <p:spPr bwMode="auto">
           <a:xfrm>
-            <a:off x="504071" y="5328000"/>
-            <a:ext cx="794718" cy="169050"/>
+            <a:off x="498960" y="5343916"/>
+            <a:ext cx="787342" cy="165353"/>
           </a:xfrm>
           <a:prstGeom prst="rect">
             <a:avLst/>
@@ -19895,7 +20303,7 @@
         </p:nvSpPr>
         <p:spPr bwMode="auto">
           <a:xfrm>
-            <a:off x="1329852" y="5283885"/>
+            <a:off x="1398111" y="5111050"/>
             <a:ext cx="288040" cy="315543"/>
           </a:xfrm>
           <a:prstGeom prst="wedgeEllipseCallout">
@@ -20723,8 +21131,13 @@
             </a:r>
             <a:r>
               <a:rPr lang="en-US" altLang="ja-JP" sz="1600" dirty="0" smtClean="0"/>
-              <a:t>ITA 1.8.0</a:t>
-            </a:r>
+              <a:t>ITA </a:t>
+            </a:r>
+            <a:r>
+              <a:rPr lang="en-US" altLang="ja-JP" sz="1600" dirty="0" smtClean="0"/>
+              <a:t>1.9.0</a:t>
+            </a:r>
+            <a:endParaRPr lang="en-US" altLang="ja-JP" sz="1600" dirty="0" smtClean="0"/>
           </a:p>
           <a:p>
             <a:pPr indent="0">
@@ -20743,8 +21156,8 @@
               <a:t> </a:t>
             </a:r>
             <a:r>
-              <a:rPr lang="en-US" altLang="ja-JP" sz="1600" dirty="0"/>
-              <a:t>2.11.2 </a:t>
+              <a:rPr lang="en-US" altLang="ja-JP" sz="1600" dirty="0" smtClean="0"/>
+              <a:t>2.11.7 </a:t>
             </a:r>
             <a:r>
               <a:rPr lang="ja-JP" altLang="en-US" sz="1600" dirty="0" smtClean="0"/>
@@ -21015,7 +21428,7 @@
                   <a:rPr lang="en-US" altLang="ja-JP" sz="1200" dirty="0" smtClean="0">
                     <a:latin typeface="+mn-ea"/>
                   </a:rPr>
-                  <a:t>1.8.0</a:t>
+                  <a:t>1.9.0</a:t>
                 </a:r>
                 <a:endParaRPr kumimoji="1" lang="ja-JP" altLang="en-US" sz="1200" dirty="0" smtClean="0">
                   <a:latin typeface="+mn-ea"/>
@@ -21097,8 +21510,11 @@
                   <a:rPr kumimoji="1" lang="en-US" altLang="ja-JP" sz="1200" dirty="0" smtClean="0">
                     <a:latin typeface="+mn-ea"/>
                   </a:rPr>
-                  <a:t>.2</a:t>
+                  <a:t>.7</a:t>
                 </a:r>
+                <a:endParaRPr kumimoji="1" lang="en-US" altLang="ja-JP" sz="1200" dirty="0" smtClean="0">
+                  <a:latin typeface="+mn-ea"/>
+                </a:endParaRPr>
               </a:p>
             </p:txBody>
           </p:sp>
@@ -24018,45 +24434,6 @@
       </p:grpSpPr>
       <p:sp>
         <p:nvSpPr>
-          <p:cNvPr id="2" name="タイトル 1"/>
-          <p:cNvSpPr>
-            <a:spLocks noGrp="1"/>
-          </p:cNvSpPr>
-          <p:nvPr>
-            <p:ph type="title"/>
-          </p:nvPr>
-        </p:nvSpPr>
-        <p:spPr/>
-        <p:txBody>
-          <a:bodyPr/>
-          <a:lstStyle/>
-          <a:p>
-            <a:r>
-              <a:rPr kumimoji="1" lang="en-US" altLang="ja-JP" dirty="0" smtClean="0"/>
-              <a:t>3.3</a:t>
-            </a:r>
-            <a:r>
-              <a:rPr kumimoji="1" lang="ja-JP" altLang="en-US" dirty="0" smtClean="0"/>
-              <a:t>　</a:t>
-            </a:r>
-            <a:r>
-              <a:rPr kumimoji="1" lang="en-US" altLang="ja-JP" dirty="0" smtClean="0"/>
-              <a:t>Excel</a:t>
-            </a:r>
-            <a:r>
-              <a:rPr kumimoji="1" lang="ja-JP" altLang="en-US" dirty="0" smtClean="0"/>
-              <a:t>一括エクスポート</a:t>
-            </a:r>
-            <a:r>
-              <a:rPr lang="en-US" altLang="ja-JP" dirty="0" smtClean="0"/>
-              <a:t>(1/2)</a:t>
-            </a:r>
-            <a:endParaRPr kumimoji="1" lang="ja-JP" altLang="en-US" dirty="0"/>
-          </a:p>
-        </p:txBody>
-      </p:sp>
-      <p:sp>
-        <p:nvSpPr>
           <p:cNvPr id="3" name="コンテンツ プレースホルダー 2"/>
           <p:cNvSpPr>
             <a:spLocks noGrp="1"/>
@@ -24152,7 +24529,7 @@
       </p:sp>
       <p:pic>
         <p:nvPicPr>
-          <p:cNvPr id="4" name="図 3"/>
+          <p:cNvPr id="9" name="図 8"/>
           <p:cNvPicPr>
             <a:picLocks noChangeAspect="1"/>
           </p:cNvPicPr>
@@ -24166,8 +24543,32 @@
         </p:blipFill>
         <p:spPr>
           <a:xfrm>
-            <a:off x="324000" y="1892255"/>
-            <a:ext cx="6880000" cy="3870000"/>
+            <a:off x="323410" y="1974562"/>
+            <a:ext cx="7620000" cy="3614738"/>
+          </a:xfrm>
+          <a:prstGeom prst="rect">
+            <a:avLst/>
+          </a:prstGeom>
+        </p:spPr>
+      </p:pic>
+      <p:pic>
+        <p:nvPicPr>
+          <p:cNvPr id="14" name="図 13"/>
+          <p:cNvPicPr>
+            <a:picLocks noChangeAspect="1"/>
+          </p:cNvPicPr>
+          <p:nvPr/>
+        </p:nvPicPr>
+        <p:blipFill>
+          <a:blip r:embed="rId3"/>
+          <a:stretch>
+            <a:fillRect/>
+          </a:stretch>
+        </p:blipFill>
+        <p:spPr>
+          <a:xfrm>
+            <a:off x="1889702" y="5136223"/>
+            <a:ext cx="4511001" cy="1341311"/>
           </a:xfrm>
           <a:prstGeom prst="rect">
             <a:avLst/>
@@ -24176,14 +24577,53 @@
       </p:pic>
       <p:sp>
         <p:nvSpPr>
+          <p:cNvPr id="2" name="タイトル 1"/>
+          <p:cNvSpPr>
+            <a:spLocks noGrp="1"/>
+          </p:cNvSpPr>
+          <p:nvPr>
+            <p:ph type="title"/>
+          </p:nvPr>
+        </p:nvSpPr>
+        <p:spPr/>
+        <p:txBody>
+          <a:bodyPr/>
+          <a:lstStyle/>
+          <a:p>
+            <a:r>
+              <a:rPr kumimoji="1" lang="en-US" altLang="ja-JP" dirty="0" smtClean="0"/>
+              <a:t>3.3</a:t>
+            </a:r>
+            <a:r>
+              <a:rPr kumimoji="1" lang="ja-JP" altLang="en-US" dirty="0" smtClean="0"/>
+              <a:t>　</a:t>
+            </a:r>
+            <a:r>
+              <a:rPr kumimoji="1" lang="en-US" altLang="ja-JP" dirty="0" smtClean="0"/>
+              <a:t>Excel</a:t>
+            </a:r>
+            <a:r>
+              <a:rPr kumimoji="1" lang="ja-JP" altLang="en-US" dirty="0" smtClean="0"/>
+              <a:t>一括エクスポート</a:t>
+            </a:r>
+            <a:r>
+              <a:rPr lang="en-US" altLang="ja-JP" dirty="0" smtClean="0"/>
+              <a:t>(1/2)</a:t>
+            </a:r>
+            <a:endParaRPr kumimoji="1" lang="ja-JP" altLang="en-US" dirty="0"/>
+          </a:p>
+        </p:txBody>
+      </p:sp>
+      <p:sp>
+        <p:nvSpPr>
           <p:cNvPr id="6" name="正方形/長方形 5"/>
           <p:cNvSpPr/>
           <p:nvPr/>
         </p:nvSpPr>
         <p:spPr bwMode="auto">
           <a:xfrm>
-            <a:off x="1152000" y="3132517"/>
-            <a:ext cx="1260303" cy="288040"/>
+            <a:off x="1331550" y="3429000"/>
+            <a:ext cx="930488" cy="194856"/>
           </a:xfrm>
           <a:prstGeom prst="rect">
             <a:avLst/>
@@ -24315,7 +24755,7 @@
         </p:nvSpPr>
         <p:spPr bwMode="auto">
           <a:xfrm>
-            <a:off x="2735873" y="3721428"/>
+            <a:off x="2585608" y="3924727"/>
             <a:ext cx="3119190" cy="311568"/>
           </a:xfrm>
           <a:prstGeom prst="roundRect">
@@ -24377,7 +24817,7 @@
         </p:nvSpPr>
         <p:spPr bwMode="auto">
           <a:xfrm>
-            <a:off x="2591853" y="3668760"/>
+            <a:off x="2441588" y="3872059"/>
             <a:ext cx="288040" cy="315543"/>
           </a:xfrm>
           <a:prstGeom prst="wedgeEllipseCallout">
@@ -24432,30 +24872,6 @@
           </a:p>
         </p:txBody>
       </p:sp>
-      <p:pic>
-        <p:nvPicPr>
-          <p:cNvPr id="10" name="図 9"/>
-          <p:cNvPicPr>
-            <a:picLocks noChangeAspect="1"/>
-          </p:cNvPicPr>
-          <p:nvPr/>
-        </p:nvPicPr>
-        <p:blipFill>
-          <a:blip r:embed="rId3"/>
-          <a:stretch>
-            <a:fillRect/>
-          </a:stretch>
-        </p:blipFill>
-        <p:spPr>
-          <a:xfrm>
-            <a:off x="1835620" y="5316089"/>
-            <a:ext cx="5112710" cy="925200"/>
-          </a:xfrm>
-          <a:prstGeom prst="rect">
-            <a:avLst/>
-          </a:prstGeom>
-        </p:spPr>
-      </p:pic>
       <p:sp>
         <p:nvSpPr>
           <p:cNvPr id="11" name="角丸四角形 10"/>
@@ -24711,8 +25127,8 @@
         </p:nvSpPr>
         <p:spPr bwMode="auto">
           <a:xfrm>
-            <a:off x="2669203" y="5939999"/>
-            <a:ext cx="1476000" cy="324000"/>
+            <a:off x="2585608" y="5939999"/>
+            <a:ext cx="1559595" cy="324000"/>
           </a:xfrm>
           <a:prstGeom prst="rect">
             <a:avLst/>
@@ -25612,6 +26028,30 @@
           <a:chExt cx="0" cy="0"/>
         </a:xfrm>
       </p:grpSpPr>
+      <p:pic>
+        <p:nvPicPr>
+          <p:cNvPr id="4" name="図 3"/>
+          <p:cNvPicPr>
+            <a:picLocks noChangeAspect="1"/>
+          </p:cNvPicPr>
+          <p:nvPr/>
+        </p:nvPicPr>
+        <p:blipFill>
+          <a:blip r:embed="rId2"/>
+          <a:stretch>
+            <a:fillRect/>
+          </a:stretch>
+        </p:blipFill>
+        <p:spPr>
+          <a:xfrm>
+            <a:off x="323410" y="3169935"/>
+            <a:ext cx="7654066" cy="951006"/>
+          </a:xfrm>
+          <a:prstGeom prst="rect">
+            <a:avLst/>
+          </a:prstGeom>
+        </p:spPr>
+      </p:pic>
       <p:sp>
         <p:nvSpPr>
           <p:cNvPr id="2" name="タイトル 1"/>
@@ -25788,29 +26228,6 @@
           </a:p>
         </p:txBody>
       </p:sp>
-      <p:pic>
-        <p:nvPicPr>
-          <p:cNvPr id="11" name="図 10"/>
-          <p:cNvPicPr>
-            <a:picLocks noChangeAspect="1"/>
-          </p:cNvPicPr>
-          <p:nvPr/>
-        </p:nvPicPr>
-        <p:blipFill rotWithShape="1">
-          <a:blip r:embed="rId2"/>
-          <a:srcRect r="11316"/>
-          <a:stretch/>
-        </p:blipFill>
-        <p:spPr>
-          <a:xfrm>
-            <a:off x="323410" y="3204000"/>
-            <a:ext cx="6840950" cy="868215"/>
-          </a:xfrm>
-          <a:prstGeom prst="rect">
-            <a:avLst/>
-          </a:prstGeom>
-        </p:spPr>
-      </p:pic>
       <p:sp>
         <p:nvSpPr>
           <p:cNvPr id="12" name="正方形/長方形 11"/>
@@ -25819,8 +26236,8 @@
         </p:nvSpPr>
         <p:spPr bwMode="auto">
           <a:xfrm>
-            <a:off x="2915770" y="3780000"/>
-            <a:ext cx="1224170" cy="313201"/>
+            <a:off x="3923910" y="3660669"/>
+            <a:ext cx="1512210" cy="460272"/>
           </a:xfrm>
           <a:prstGeom prst="rect">
             <a:avLst/>
@@ -25944,90 +26361,6 @@
           </a:p>
         </p:txBody>
       </p:sp>
-      <p:sp>
-        <p:nvSpPr>
-          <p:cNvPr id="13" name="円形吹き出し 12"/>
-          <p:cNvSpPr/>
-          <p:nvPr/>
-        </p:nvSpPr>
-        <p:spPr bwMode="auto">
-          <a:xfrm>
-            <a:off x="3705450" y="4140000"/>
-            <a:ext cx="288040" cy="315543"/>
-          </a:xfrm>
-          <a:prstGeom prst="wedgeEllipseCallout">
-            <a:avLst>
-              <a:gd name="adj1" fmla="val -86609"/>
-              <a:gd name="adj2" fmla="val -82179"/>
-            </a:avLst>
-          </a:prstGeom>
-          <a:ln w="19050">
-            <a:solidFill>
-              <a:schemeClr val="bg1"/>
-            </a:solidFill>
-          </a:ln>
-          <a:extLst/>
-        </p:spPr>
-        <p:style>
-          <a:lnRef idx="1">
-            <a:schemeClr val="accent6"/>
-          </a:lnRef>
-          <a:fillRef idx="3">
-            <a:schemeClr val="accent6"/>
-          </a:fillRef>
-          <a:effectRef idx="2">
-            <a:schemeClr val="accent6"/>
-          </a:effectRef>
-          <a:fontRef idx="minor">
-            <a:schemeClr val="lt1"/>
-          </a:fontRef>
-        </p:style>
-        <p:txBody>
-          <a:bodyPr rot="0" spcFirstLastPara="0" vertOverflow="overflow" horzOverflow="overflow" vert="horz" wrap="none" lIns="72000" tIns="72000" rIns="72000" bIns="72000" numCol="1" spcCol="0" rtlCol="0" fromWordArt="0" anchor="ctr" anchorCtr="1" forceAA="0" compatLnSpc="1">
-            <a:prstTxWarp prst="textNoShape">
-              <a:avLst/>
-            </a:prstTxWarp>
-            <a:noAutofit/>
-          </a:bodyPr>
-          <a:lstStyle/>
-          <a:p>
-            <a:pPr algn="ctr"/>
-            <a:r>
-              <a:rPr lang="ja-JP" altLang="en-US" sz="1400" b="1" dirty="0">
-                <a:latin typeface="+mn-ea"/>
-              </a:rPr>
-              <a:t>２</a:t>
-            </a:r>
-            <a:endParaRPr kumimoji="1" lang="ja-JP" altLang="en-US" sz="1400" b="1" dirty="0" smtClean="0">
-              <a:latin typeface="+mn-ea"/>
-            </a:endParaRPr>
-          </a:p>
-        </p:txBody>
-      </p:sp>
-      <p:pic>
-        <p:nvPicPr>
-          <p:cNvPr id="14" name="図 13"/>
-          <p:cNvPicPr>
-            <a:picLocks noChangeAspect="1"/>
-          </p:cNvPicPr>
-          <p:nvPr/>
-        </p:nvPicPr>
-        <p:blipFill>
-          <a:blip r:embed="rId3"/>
-          <a:stretch>
-            <a:fillRect/>
-          </a:stretch>
-        </p:blipFill>
-        <p:spPr>
-          <a:xfrm>
-            <a:off x="2051650" y="3960000"/>
-            <a:ext cx="425455" cy="144000"/>
-          </a:xfrm>
-          <a:prstGeom prst="rect">
-            <a:avLst/>
-          </a:prstGeom>
-        </p:spPr>
-      </p:pic>
       <p:grpSp>
         <p:nvGrpSpPr>
           <p:cNvPr id="17" name="グループ化 16"/>
@@ -26737,6 +27070,69 @@
           </p:txBody>
         </p:sp>
       </p:grpSp>
+      <p:sp>
+        <p:nvSpPr>
+          <p:cNvPr id="23" name="円形吹き出し 22"/>
+          <p:cNvSpPr/>
+          <p:nvPr/>
+        </p:nvSpPr>
+        <p:spPr bwMode="auto">
+          <a:xfrm>
+            <a:off x="5292100" y="4216681"/>
+            <a:ext cx="288040" cy="315543"/>
+          </a:xfrm>
+          <a:prstGeom prst="wedgeEllipseCallout">
+            <a:avLst>
+              <a:gd name="adj1" fmla="val -86609"/>
+              <a:gd name="adj2" fmla="val -82179"/>
+            </a:avLst>
+          </a:prstGeom>
+          <a:solidFill>
+            <a:srgbClr val="FF0000"/>
+          </a:solidFill>
+          <a:ln w="19050">
+            <a:solidFill>
+              <a:schemeClr val="bg1"/>
+            </a:solidFill>
+          </a:ln>
+          <a:extLst/>
+        </p:spPr>
+        <p:style>
+          <a:lnRef idx="1">
+            <a:schemeClr val="accent6"/>
+          </a:lnRef>
+          <a:fillRef idx="3">
+            <a:schemeClr val="accent6"/>
+          </a:fillRef>
+          <a:effectRef idx="2">
+            <a:schemeClr val="accent6"/>
+          </a:effectRef>
+          <a:fontRef idx="minor">
+            <a:schemeClr val="lt1"/>
+          </a:fontRef>
+        </p:style>
+        <p:txBody>
+          <a:bodyPr rot="0" spcFirstLastPara="0" vertOverflow="overflow" horzOverflow="overflow" vert="horz" wrap="none" lIns="72000" tIns="72000" rIns="72000" bIns="72000" numCol="1" spcCol="0" rtlCol="0" fromWordArt="0" anchor="ctr" anchorCtr="1" forceAA="0" compatLnSpc="1">
+            <a:prstTxWarp prst="textNoShape">
+              <a:avLst/>
+            </a:prstTxWarp>
+            <a:noAutofit/>
+          </a:bodyPr>
+          <a:lstStyle/>
+          <a:p>
+            <a:pPr algn="ctr"/>
+            <a:r>
+              <a:rPr lang="ja-JP" altLang="en-US" sz="1400" b="1" dirty="0">
+                <a:latin typeface="+mn-ea"/>
+              </a:rPr>
+              <a:t>２</a:t>
+            </a:r>
+            <a:endParaRPr kumimoji="1" lang="ja-JP" altLang="en-US" sz="1400" b="1" dirty="0" smtClean="0">
+              <a:latin typeface="+mn-ea"/>
+            </a:endParaRPr>
+          </a:p>
+        </p:txBody>
+      </p:sp>
     </p:spTree>
     <p:extLst>
       <p:ext uri="{BB962C8B-B14F-4D97-AF65-F5344CB8AC3E}">
@@ -29582,6 +29978,30 @@
           <a:chExt cx="0" cy="0"/>
         </a:xfrm>
       </p:grpSpPr>
+      <p:pic>
+        <p:nvPicPr>
+          <p:cNvPr id="18" name="図 17"/>
+          <p:cNvPicPr>
+            <a:picLocks noChangeAspect="1"/>
+          </p:cNvPicPr>
+          <p:nvPr/>
+        </p:nvPicPr>
+        <p:blipFill>
+          <a:blip r:embed="rId2"/>
+          <a:stretch>
+            <a:fillRect/>
+          </a:stretch>
+        </p:blipFill>
+        <p:spPr>
+          <a:xfrm>
+            <a:off x="343768" y="1584174"/>
+            <a:ext cx="6654052" cy="4552773"/>
+          </a:xfrm>
+          <a:prstGeom prst="rect">
+            <a:avLst/>
+          </a:prstGeom>
+        </p:spPr>
+      </p:pic>
       <p:sp>
         <p:nvSpPr>
           <p:cNvPr id="2" name="タイトル 1"/>
@@ -29670,30 +30090,6 @@
           </a:p>
         </p:txBody>
       </p:sp>
-      <p:pic>
-        <p:nvPicPr>
-          <p:cNvPr id="4" name="図 3"/>
-          <p:cNvPicPr>
-            <a:picLocks noChangeAspect="1"/>
-          </p:cNvPicPr>
-          <p:nvPr/>
-        </p:nvPicPr>
-        <p:blipFill>
-          <a:blip r:embed="rId2"/>
-          <a:stretch>
-            <a:fillRect/>
-          </a:stretch>
-        </p:blipFill>
-        <p:spPr>
-          <a:xfrm>
-            <a:off x="324000" y="1959942"/>
-            <a:ext cx="8385882" cy="3888540"/>
-          </a:xfrm>
-          <a:prstGeom prst="rect">
-            <a:avLst/>
-          </a:prstGeom>
-        </p:spPr>
-      </p:pic>
       <p:sp>
         <p:nvSpPr>
           <p:cNvPr id="5" name="角丸四角形 4"/>
@@ -29702,7 +30098,7 @@
         </p:nvSpPr>
         <p:spPr bwMode="auto">
           <a:xfrm>
-            <a:off x="1800000" y="5150346"/>
+            <a:off x="2483710" y="2456994"/>
             <a:ext cx="2123910" cy="311568"/>
           </a:xfrm>
           <a:prstGeom prst="roundRect">
@@ -29773,7 +30169,7 @@
         </p:nvSpPr>
         <p:spPr bwMode="auto">
           <a:xfrm>
-            <a:off x="1619590" y="4960552"/>
+            <a:off x="2303300" y="2267200"/>
             <a:ext cx="288040" cy="315543"/>
           </a:xfrm>
           <a:prstGeom prst="wedgeEllipseCallout">
@@ -29836,7 +30232,7 @@
         </p:nvSpPr>
         <p:spPr bwMode="auto">
           <a:xfrm>
-            <a:off x="6252503" y="4004629"/>
+            <a:off x="4499990" y="3200794"/>
             <a:ext cx="1775977" cy="338792"/>
           </a:xfrm>
           <a:prstGeom prst="roundRect">
@@ -30606,14 +31002,14 @@
           <p:nvPr/>
         </p:nvSpPr>
         <p:spPr bwMode="auto">
-          <a:xfrm rot="20178406">
-            <a:off x="6050770" y="3905136"/>
+          <a:xfrm>
+            <a:off x="4298257" y="3101301"/>
             <a:ext cx="288040" cy="315543"/>
           </a:xfrm>
           <a:prstGeom prst="wedgeEllipseCallout">
             <a:avLst>
-              <a:gd name="adj1" fmla="val 22135"/>
-              <a:gd name="adj2" fmla="val -160986"/>
+              <a:gd name="adj1" fmla="val -63842"/>
+              <a:gd name="adj2" fmla="val 131818"/>
             </a:avLst>
           </a:prstGeom>
           <a:solidFill>
@@ -30701,45 +31097,6 @@
       </p:grpSpPr>
       <p:sp>
         <p:nvSpPr>
-          <p:cNvPr id="2" name="タイトル 1"/>
-          <p:cNvSpPr>
-            <a:spLocks noGrp="1"/>
-          </p:cNvSpPr>
-          <p:nvPr>
-            <p:ph type="title"/>
-          </p:nvPr>
-        </p:nvSpPr>
-        <p:spPr/>
-        <p:txBody>
-          <a:bodyPr/>
-          <a:lstStyle/>
-          <a:p>
-            <a:r>
-              <a:rPr kumimoji="1" lang="en-US" altLang="ja-JP" dirty="0" smtClean="0"/>
-              <a:t>3.5</a:t>
-            </a:r>
-            <a:r>
-              <a:rPr kumimoji="1" lang="ja-JP" altLang="en-US" dirty="0" smtClean="0"/>
-              <a:t>　</a:t>
-            </a:r>
-            <a:r>
-              <a:rPr kumimoji="1" lang="en-US" altLang="ja-JP" dirty="0" smtClean="0"/>
-              <a:t>Excel</a:t>
-            </a:r>
-            <a:r>
-              <a:rPr lang="ja-JP" altLang="en-US" dirty="0" smtClean="0"/>
-              <a:t>一括インポート</a:t>
-            </a:r>
-            <a:r>
-              <a:rPr lang="en-US" altLang="ja-JP" dirty="0" smtClean="0"/>
-              <a:t>(1/3)</a:t>
-            </a:r>
-            <a:endParaRPr kumimoji="1" lang="ja-JP" altLang="en-US" dirty="0"/>
-          </a:p>
-        </p:txBody>
-      </p:sp>
-      <p:sp>
-        <p:nvSpPr>
           <p:cNvPr id="3" name="コンテンツ プレースホルダー 2"/>
           <p:cNvSpPr>
             <a:spLocks noGrp="1"/>
@@ -30821,7 +31178,7 @@
       </p:sp>
       <p:pic>
         <p:nvPicPr>
-          <p:cNvPr id="5" name="図 4"/>
+          <p:cNvPr id="15" name="図 14"/>
           <p:cNvPicPr>
             <a:picLocks noChangeAspect="1"/>
           </p:cNvPicPr>
@@ -30835,8 +31192,8 @@
         </p:blipFill>
         <p:spPr>
           <a:xfrm>
-            <a:off x="323410" y="2237068"/>
-            <a:ext cx="6840000" cy="3843225"/>
+            <a:off x="326645" y="2294330"/>
+            <a:ext cx="6858000" cy="3248978"/>
           </a:xfrm>
           <a:prstGeom prst="rect">
             <a:avLst/>
@@ -30845,14 +31202,53 @@
       </p:pic>
       <p:sp>
         <p:nvSpPr>
+          <p:cNvPr id="2" name="タイトル 1"/>
+          <p:cNvSpPr>
+            <a:spLocks noGrp="1"/>
+          </p:cNvSpPr>
+          <p:nvPr>
+            <p:ph type="title"/>
+          </p:nvPr>
+        </p:nvSpPr>
+        <p:spPr/>
+        <p:txBody>
+          <a:bodyPr/>
+          <a:lstStyle/>
+          <a:p>
+            <a:r>
+              <a:rPr kumimoji="1" lang="en-US" altLang="ja-JP" dirty="0" smtClean="0"/>
+              <a:t>3.5</a:t>
+            </a:r>
+            <a:r>
+              <a:rPr kumimoji="1" lang="ja-JP" altLang="en-US" dirty="0" smtClean="0"/>
+              <a:t>　</a:t>
+            </a:r>
+            <a:r>
+              <a:rPr kumimoji="1" lang="en-US" altLang="ja-JP" dirty="0" smtClean="0"/>
+              <a:t>Excel</a:t>
+            </a:r>
+            <a:r>
+              <a:rPr lang="ja-JP" altLang="en-US" dirty="0" smtClean="0"/>
+              <a:t>一括インポート</a:t>
+            </a:r>
+            <a:r>
+              <a:rPr lang="en-US" altLang="ja-JP" dirty="0" smtClean="0"/>
+              <a:t>(1/3)</a:t>
+            </a:r>
+            <a:endParaRPr kumimoji="1" lang="ja-JP" altLang="en-US" dirty="0"/>
+          </a:p>
+        </p:txBody>
+      </p:sp>
+      <p:sp>
+        <p:nvSpPr>
           <p:cNvPr id="6" name="正方形/長方形 5"/>
           <p:cNvSpPr/>
           <p:nvPr/>
         </p:nvSpPr>
         <p:spPr bwMode="auto">
           <a:xfrm>
-            <a:off x="1152000" y="3276000"/>
-            <a:ext cx="1080000" cy="252000"/>
+            <a:off x="1187530" y="3339522"/>
+            <a:ext cx="1007990" cy="252000"/>
           </a:xfrm>
           <a:prstGeom prst="rect">
             <a:avLst/>
@@ -30984,7 +31380,7 @@
         </p:nvGrpSpPr>
         <p:grpSpPr>
           <a:xfrm>
-            <a:off x="2461197" y="3381712"/>
+            <a:off x="2424717" y="3445234"/>
             <a:ext cx="3217690" cy="479634"/>
             <a:chOff x="3154560" y="3355921"/>
             <a:chExt cx="3217690" cy="479634"/>
@@ -31142,9 +31538,9 @@
         </p:nvGrpSpPr>
         <p:grpSpPr>
           <a:xfrm>
-            <a:off x="1835620" y="4181041"/>
+            <a:off x="1642350" y="4223923"/>
             <a:ext cx="3456480" cy="492770"/>
-            <a:chOff x="2794510" y="4287282"/>
+            <a:chOff x="2601240" y="4330164"/>
             <a:chExt cx="3456480" cy="492770"/>
           </a:xfrm>
         </p:grpSpPr>
@@ -31156,7 +31552,7 @@
           </p:nvSpPr>
           <p:spPr bwMode="auto">
             <a:xfrm>
-              <a:off x="2987780" y="4441260"/>
+              <a:off x="2794510" y="4484142"/>
               <a:ext cx="3263210" cy="338792"/>
             </a:xfrm>
             <a:prstGeom prst="roundRect">
@@ -31218,7 +31614,7 @@
           </p:nvSpPr>
           <p:spPr bwMode="auto">
             <a:xfrm>
-              <a:off x="2794510" y="4287282"/>
+              <a:off x="2601240" y="4330164"/>
               <a:ext cx="288040" cy="315543"/>
             </a:xfrm>
             <a:prstGeom prst="wedgeEllipseCallout">
@@ -31451,8 +31847,8 @@
         </p:nvSpPr>
         <p:spPr bwMode="auto">
           <a:xfrm>
-            <a:off x="1462386" y="5522491"/>
-            <a:ext cx="1224000" cy="214963"/>
+            <a:off x="1583694" y="5522491"/>
+            <a:ext cx="1044036" cy="223470"/>
           </a:xfrm>
           <a:prstGeom prst="rect">
             <a:avLst/>
@@ -32420,6 +32816,30 @@
           </a:p>
         </p:txBody>
       </p:sp>
+      <p:pic>
+        <p:nvPicPr>
+          <p:cNvPr id="8" name="図 7"/>
+          <p:cNvPicPr>
+            <a:picLocks noChangeAspect="1"/>
+          </p:cNvPicPr>
+          <p:nvPr/>
+        </p:nvPicPr>
+        <p:blipFill>
+          <a:blip r:embed="rId2"/>
+          <a:stretch>
+            <a:fillRect/>
+          </a:stretch>
+        </p:blipFill>
+        <p:spPr>
+          <a:xfrm>
+            <a:off x="127069" y="2848428"/>
+            <a:ext cx="7769941" cy="2442845"/>
+          </a:xfrm>
+          <a:prstGeom prst="rect">
+            <a:avLst/>
+          </a:prstGeom>
+        </p:spPr>
+      </p:pic>
       <p:sp>
         <p:nvSpPr>
           <p:cNvPr id="2" name="タイトル 1"/>
@@ -32467,68 +32887,6 @@
           </a:p>
         </p:txBody>
       </p:sp>
-      <p:grpSp>
-        <p:nvGrpSpPr>
-          <p:cNvPr id="13" name="グループ化 12"/>
-          <p:cNvGrpSpPr/>
-          <p:nvPr/>
-        </p:nvGrpSpPr>
-        <p:grpSpPr>
-          <a:xfrm>
-            <a:off x="324000" y="2916000"/>
-            <a:ext cx="5794306" cy="2592000"/>
-            <a:chOff x="251400" y="2696550"/>
-            <a:chExt cx="5794306" cy="2560082"/>
-          </a:xfrm>
-        </p:grpSpPr>
-        <p:pic>
-          <p:nvPicPr>
-            <p:cNvPr id="11" name="図 10"/>
-            <p:cNvPicPr>
-              <a:picLocks noChangeAspect="1"/>
-            </p:cNvPicPr>
-            <p:nvPr/>
-          </p:nvPicPr>
-          <p:blipFill rotWithShape="1">
-            <a:blip r:embed="rId2"/>
-            <a:srcRect r="14563"/>
-            <a:stretch/>
-          </p:blipFill>
-          <p:spPr>
-            <a:xfrm>
-              <a:off x="251400" y="2696550"/>
-              <a:ext cx="5794306" cy="2560082"/>
-            </a:xfrm>
-            <a:prstGeom prst="rect">
-              <a:avLst/>
-            </a:prstGeom>
-          </p:spPr>
-        </p:pic>
-        <p:pic>
-          <p:nvPicPr>
-            <p:cNvPr id="12" name="図 11"/>
-            <p:cNvPicPr>
-              <a:picLocks noChangeAspect="1"/>
-            </p:cNvPicPr>
-            <p:nvPr/>
-          </p:nvPicPr>
-          <p:blipFill>
-            <a:blip r:embed="rId3"/>
-            <a:stretch>
-              <a:fillRect/>
-            </a:stretch>
-          </p:blipFill>
-          <p:spPr>
-            <a:xfrm>
-              <a:off x="2411700" y="4941210"/>
-              <a:ext cx="308454" cy="104400"/>
-            </a:xfrm>
-            <a:prstGeom prst="rect">
-              <a:avLst/>
-            </a:prstGeom>
-          </p:spPr>
-        </p:pic>
-      </p:grpSp>
       <p:sp>
         <p:nvSpPr>
           <p:cNvPr id="14" name="正方形/長方形 13"/>
@@ -32537,8 +32895,8 @@
         </p:nvSpPr>
         <p:spPr bwMode="auto">
           <a:xfrm>
-            <a:off x="1260000" y="4086619"/>
-            <a:ext cx="936130" cy="207981"/>
+            <a:off x="1419175" y="3869741"/>
+            <a:ext cx="1280565" cy="279359"/>
           </a:xfrm>
           <a:prstGeom prst="rect">
             <a:avLst/>
@@ -32670,7 +33028,7 @@
         </p:nvSpPr>
         <p:spPr bwMode="auto">
           <a:xfrm>
-            <a:off x="1692000" y="5294347"/>
+            <a:off x="2104610" y="5103868"/>
             <a:ext cx="504070" cy="176616"/>
           </a:xfrm>
           <a:prstGeom prst="rect">
@@ -32803,7 +33161,7 @@
         </p:nvGrpSpPr>
         <p:grpSpPr>
           <a:xfrm>
-            <a:off x="2193253" y="4212000"/>
+            <a:off x="2681248" y="4077090"/>
             <a:ext cx="2160000" cy="513978"/>
             <a:chOff x="3154560" y="3355921"/>
             <a:chExt cx="2353270" cy="513978"/>
@@ -32943,7 +33301,7 @@
         </p:nvGrpSpPr>
         <p:grpSpPr>
           <a:xfrm>
-            <a:off x="2068553" y="5436000"/>
+            <a:off x="1044154" y="5384386"/>
             <a:ext cx="2287417" cy="513978"/>
             <a:chOff x="3154560" y="3355921"/>
             <a:chExt cx="2492088" cy="513978"/>
@@ -33033,8 +33391,8 @@
             </a:xfrm>
             <a:prstGeom prst="wedgeEllipseCallout">
               <a:avLst>
-                <a:gd name="adj1" fmla="val -147929"/>
-                <a:gd name="adj2" fmla="val -58525"/>
+                <a:gd name="adj1" fmla="val 349245"/>
+                <a:gd name="adj2" fmla="val -100785"/>
               </a:avLst>
             </a:prstGeom>
             <a:solidFill>
@@ -33092,8 +33450,8 @@
         </p:nvSpPr>
         <p:spPr bwMode="auto">
           <a:xfrm>
-            <a:off x="4104000" y="5256000"/>
-            <a:ext cx="540000" cy="214963"/>
+            <a:off x="5364110" y="5103868"/>
+            <a:ext cx="738199" cy="183447"/>
           </a:xfrm>
           <a:prstGeom prst="rect">
             <a:avLst/>
@@ -33225,8 +33583,8 @@
         </p:nvSpPr>
         <p:spPr>
           <a:xfrm>
-            <a:off x="5900273" y="3272480"/>
-            <a:ext cx="3063239" cy="2676870"/>
+            <a:off x="6178583" y="3758631"/>
+            <a:ext cx="2862179" cy="2622123"/>
           </a:xfrm>
           <a:prstGeom prst="rect">
             <a:avLst/>
@@ -33263,28 +33621,26 @@
       </p:sp>
       <p:pic>
         <p:nvPicPr>
-          <p:cNvPr id="25" name="図 24"/>
+          <p:cNvPr id="10" name="図 9"/>
           <p:cNvPicPr>
             <a:picLocks noChangeAspect="1"/>
           </p:cNvPicPr>
           <p:nvPr/>
         </p:nvPicPr>
-        <p:blipFill rotWithShape="1">
-          <a:blip r:embed="rId4"/>
-          <a:srcRect r="20409"/>
-          <a:stretch/>
+        <p:blipFill>
+          <a:blip r:embed="rId3"/>
+          <a:stretch>
+            <a:fillRect/>
+          </a:stretch>
         </p:blipFill>
         <p:spPr>
           <a:xfrm>
-            <a:off x="6072453" y="4666575"/>
-            <a:ext cx="2720062" cy="900000"/>
+            <a:off x="6319758" y="5168041"/>
+            <a:ext cx="2659614" cy="787815"/>
           </a:xfrm>
           <a:prstGeom prst="rect">
             <a:avLst/>
           </a:prstGeom>
-          <a:ln w="38100">
-            <a:noFill/>
-          </a:ln>
         </p:spPr>
       </p:pic>
       <p:grpSp>
@@ -33295,8 +33651,8 @@
         </p:nvGrpSpPr>
         <p:grpSpPr>
           <a:xfrm>
-            <a:off x="6931427" y="5175112"/>
-            <a:ext cx="1991507" cy="513978"/>
+            <a:off x="7209738" y="5617029"/>
+            <a:ext cx="1860792" cy="503466"/>
             <a:chOff x="3154561" y="3355921"/>
             <a:chExt cx="2353269" cy="513978"/>
           </a:xfrm>
@@ -33435,8 +33791,8 @@
         </p:nvSpPr>
         <p:spPr>
           <a:xfrm>
-            <a:off x="5928761" y="3405674"/>
-            <a:ext cx="2964465" cy="307777"/>
+            <a:off x="6207072" y="3843374"/>
+            <a:ext cx="2769888" cy="307777"/>
           </a:xfrm>
           <a:prstGeom prst="rect">
             <a:avLst/>
@@ -33469,8 +33825,8 @@
         </p:nvSpPr>
         <p:spPr bwMode="auto">
           <a:xfrm>
-            <a:off x="6041447" y="4967583"/>
-            <a:ext cx="759561" cy="207529"/>
+            <a:off x="6287774" y="5418472"/>
+            <a:ext cx="709706" cy="172864"/>
           </a:xfrm>
           <a:prstGeom prst="rect">
             <a:avLst/>
@@ -33594,30 +33950,6 @@
           </a:p>
         </p:txBody>
       </p:sp>
-      <p:pic>
-        <p:nvPicPr>
-          <p:cNvPr id="7" name="図 6"/>
-          <p:cNvPicPr>
-            <a:picLocks noChangeAspect="1"/>
-          </p:cNvPicPr>
-          <p:nvPr/>
-        </p:nvPicPr>
-        <p:blipFill>
-          <a:blip r:embed="rId5"/>
-          <a:stretch>
-            <a:fillRect/>
-          </a:stretch>
-        </p:blipFill>
-        <p:spPr>
-          <a:xfrm>
-            <a:off x="6112822" y="3693945"/>
-            <a:ext cx="2618796" cy="900000"/>
-          </a:xfrm>
-          <a:prstGeom prst="rect">
-            <a:avLst/>
-          </a:prstGeom>
-        </p:spPr>
-      </p:pic>
       <p:grpSp>
         <p:nvGrpSpPr>
           <p:cNvPr id="22" name="グループ化 21"/>
@@ -33626,7 +33958,7 @@
         </p:nvGrpSpPr>
         <p:grpSpPr>
           <a:xfrm>
-            <a:off x="4536000" y="5472000"/>
+            <a:off x="3808716" y="5403232"/>
             <a:ext cx="2160000" cy="513978"/>
             <a:chOff x="3154560" y="3355921"/>
             <a:chExt cx="2353270" cy="513978"/>
@@ -33716,8 +34048,8 @@
             </a:xfrm>
             <a:prstGeom prst="wedgeEllipseCallout">
               <a:avLst>
-                <a:gd name="adj1" fmla="val -147929"/>
-                <a:gd name="adj2" fmla="val -58525"/>
+                <a:gd name="adj1" fmla="val 529381"/>
+                <a:gd name="adj2" fmla="val -91730"/>
               </a:avLst>
             </a:prstGeom>
             <a:solidFill>
@@ -33775,8 +34107,8 @@
         </p:nvSpPr>
         <p:spPr bwMode="auto">
           <a:xfrm>
-            <a:off x="6084000" y="3983997"/>
-            <a:ext cx="720100" cy="214963"/>
+            <a:off x="6362310" y="4419798"/>
+            <a:ext cx="672835" cy="210567"/>
           </a:xfrm>
           <a:prstGeom prst="rect">
             <a:avLst/>
@@ -34560,6 +34892,226 @@
           </p:txBody>
         </p:sp>
       </p:grpSp>
+      <p:pic>
+        <p:nvPicPr>
+          <p:cNvPr id="9" name="図 8"/>
+          <p:cNvPicPr>
+            <a:picLocks noChangeAspect="1"/>
+          </p:cNvPicPr>
+          <p:nvPr/>
+        </p:nvPicPr>
+        <p:blipFill>
+          <a:blip r:embed="rId4"/>
+          <a:stretch>
+            <a:fillRect/>
+          </a:stretch>
+        </p:blipFill>
+        <p:spPr>
+          <a:xfrm>
+            <a:off x="6319758" y="4165029"/>
+            <a:ext cx="2612670" cy="922917"/>
+          </a:xfrm>
+          <a:prstGeom prst="rect">
+            <a:avLst/>
+          </a:prstGeom>
+        </p:spPr>
+      </p:pic>
+      <p:sp>
+        <p:nvSpPr>
+          <p:cNvPr id="43" name="円形吹き出し 42"/>
+          <p:cNvSpPr/>
+          <p:nvPr/>
+        </p:nvSpPr>
+        <p:spPr bwMode="auto">
+          <a:xfrm>
+            <a:off x="7217019" y="5610455"/>
+            <a:ext cx="227761" cy="309089"/>
+          </a:xfrm>
+          <a:prstGeom prst="wedgeEllipseCallout">
+            <a:avLst>
+              <a:gd name="adj1" fmla="val -131200"/>
+              <a:gd name="adj2" fmla="val -356827"/>
+            </a:avLst>
+          </a:prstGeom>
+          <a:solidFill>
+            <a:srgbClr val="FF0000"/>
+          </a:solidFill>
+          <a:ln w="19050">
+            <a:solidFill>
+              <a:schemeClr val="bg1"/>
+            </a:solidFill>
+          </a:ln>
+          <a:extLst/>
+        </p:spPr>
+        <p:style>
+          <a:lnRef idx="1">
+            <a:schemeClr val="accent6"/>
+          </a:lnRef>
+          <a:fillRef idx="3">
+            <a:schemeClr val="accent6"/>
+          </a:fillRef>
+          <a:effectRef idx="2">
+            <a:schemeClr val="accent6"/>
+          </a:effectRef>
+          <a:fontRef idx="minor">
+            <a:schemeClr val="lt1"/>
+          </a:fontRef>
+        </p:style>
+        <p:txBody>
+          <a:bodyPr rot="0" spcFirstLastPara="0" vertOverflow="overflow" horzOverflow="overflow" vert="horz" wrap="none" lIns="72000" tIns="72000" rIns="72000" bIns="72000" numCol="1" spcCol="0" rtlCol="0" fromWordArt="0" anchor="ctr" anchorCtr="1" forceAA="0" compatLnSpc="1">
+            <a:prstTxWarp prst="textNoShape">
+              <a:avLst/>
+            </a:prstTxWarp>
+            <a:noAutofit/>
+          </a:bodyPr>
+          <a:lstStyle/>
+          <a:p>
+            <a:pPr algn="ctr"/>
+            <a:r>
+              <a:rPr lang="ja-JP" altLang="en-US" sz="1400" b="1" dirty="0">
+                <a:latin typeface="+mn-ea"/>
+              </a:rPr>
+              <a:t>４</a:t>
+            </a:r>
+            <a:endParaRPr kumimoji="1" lang="ja-JP" altLang="en-US" sz="1400" b="1" dirty="0" smtClean="0">
+              <a:latin typeface="+mn-ea"/>
+            </a:endParaRPr>
+          </a:p>
+        </p:txBody>
+      </p:sp>
+      <p:sp>
+        <p:nvSpPr>
+          <p:cNvPr id="44" name="正方形/長方形 43"/>
+          <p:cNvSpPr/>
+          <p:nvPr/>
+        </p:nvSpPr>
+        <p:spPr bwMode="auto">
+          <a:xfrm>
+            <a:off x="6317819" y="4467620"/>
+            <a:ext cx="709706" cy="183867"/>
+          </a:xfrm>
+          <a:prstGeom prst="rect">
+            <a:avLst/>
+          </a:prstGeom>
+          <a:noFill/>
+          <a:ln w="28575">
+            <a:solidFill>
+              <a:srgbClr val="FF0000"/>
+            </a:solidFill>
+          </a:ln>
+          <a:effectLst/>
+          <a:extLst/>
+        </p:spPr>
+        <p:txBody>
+          <a:bodyPr rot="0" spcFirstLastPara="0" vert="horz" wrap="none" lIns="72000" tIns="72000" rIns="72000" bIns="72000" numCol="1" spcCol="0" rtlCol="0" fromWordArt="0" anchor="ctr" anchorCtr="0" forceAA="0" compatLnSpc="1">
+            <a:prstTxWarp prst="textNoShape">
+              <a:avLst/>
+            </a:prstTxWarp>
+            <a:noAutofit/>
+          </a:bodyPr>
+          <a:lstStyle>
+            <a:defPPr>
+              <a:defRPr lang="ja-JP"/>
+            </a:defPPr>
+            <a:lvl1pPr marL="0" algn="l" defTabSz="914400" rtl="0" eaLnBrk="1" latinLnBrk="0" hangingPunct="1">
+              <a:defRPr kumimoji="1" sz="1800" kern="1200">
+                <a:solidFill>
+                  <a:schemeClr val="tx1"/>
+                </a:solidFill>
+                <a:latin typeface="+mn-lt"/>
+                <a:ea typeface="+mn-ea"/>
+                <a:cs typeface="+mn-cs"/>
+              </a:defRPr>
+            </a:lvl1pPr>
+            <a:lvl2pPr marL="457200" algn="l" defTabSz="914400" rtl="0" eaLnBrk="1" latinLnBrk="0" hangingPunct="1">
+              <a:defRPr kumimoji="1" sz="1800" kern="1200">
+                <a:solidFill>
+                  <a:schemeClr val="tx1"/>
+                </a:solidFill>
+                <a:latin typeface="+mn-lt"/>
+                <a:ea typeface="+mn-ea"/>
+                <a:cs typeface="+mn-cs"/>
+              </a:defRPr>
+            </a:lvl2pPr>
+            <a:lvl3pPr marL="914400" algn="l" defTabSz="914400" rtl="0" eaLnBrk="1" latinLnBrk="0" hangingPunct="1">
+              <a:defRPr kumimoji="1" sz="1800" kern="1200">
+                <a:solidFill>
+                  <a:schemeClr val="tx1"/>
+                </a:solidFill>
+                <a:latin typeface="+mn-lt"/>
+                <a:ea typeface="+mn-ea"/>
+                <a:cs typeface="+mn-cs"/>
+              </a:defRPr>
+            </a:lvl3pPr>
+            <a:lvl4pPr marL="1371600" algn="l" defTabSz="914400" rtl="0" eaLnBrk="1" latinLnBrk="0" hangingPunct="1">
+              <a:defRPr kumimoji="1" sz="1800" kern="1200">
+                <a:solidFill>
+                  <a:schemeClr val="tx1"/>
+                </a:solidFill>
+                <a:latin typeface="+mn-lt"/>
+                <a:ea typeface="+mn-ea"/>
+                <a:cs typeface="+mn-cs"/>
+              </a:defRPr>
+            </a:lvl4pPr>
+            <a:lvl5pPr marL="1828800" algn="l" defTabSz="914400" rtl="0" eaLnBrk="1" latinLnBrk="0" hangingPunct="1">
+              <a:defRPr kumimoji="1" sz="1800" kern="1200">
+                <a:solidFill>
+                  <a:schemeClr val="tx1"/>
+                </a:solidFill>
+                <a:latin typeface="+mn-lt"/>
+                <a:ea typeface="+mn-ea"/>
+                <a:cs typeface="+mn-cs"/>
+              </a:defRPr>
+            </a:lvl5pPr>
+            <a:lvl6pPr marL="2286000" algn="l" defTabSz="914400" rtl="0" eaLnBrk="1" latinLnBrk="0" hangingPunct="1">
+              <a:defRPr kumimoji="1" sz="1800" kern="1200">
+                <a:solidFill>
+                  <a:schemeClr val="tx1"/>
+                </a:solidFill>
+                <a:latin typeface="+mn-lt"/>
+                <a:ea typeface="+mn-ea"/>
+                <a:cs typeface="+mn-cs"/>
+              </a:defRPr>
+            </a:lvl6pPr>
+            <a:lvl7pPr marL="2743200" algn="l" defTabSz="914400" rtl="0" eaLnBrk="1" latinLnBrk="0" hangingPunct="1">
+              <a:defRPr kumimoji="1" sz="1800" kern="1200">
+                <a:solidFill>
+                  <a:schemeClr val="tx1"/>
+                </a:solidFill>
+                <a:latin typeface="+mn-lt"/>
+                <a:ea typeface="+mn-ea"/>
+                <a:cs typeface="+mn-cs"/>
+              </a:defRPr>
+            </a:lvl7pPr>
+            <a:lvl8pPr marL="3200400" algn="l" defTabSz="914400" rtl="0" eaLnBrk="1" latinLnBrk="0" hangingPunct="1">
+              <a:defRPr kumimoji="1" sz="1800" kern="1200">
+                <a:solidFill>
+                  <a:schemeClr val="tx1"/>
+                </a:solidFill>
+                <a:latin typeface="+mn-lt"/>
+                <a:ea typeface="+mn-ea"/>
+                <a:cs typeface="+mn-cs"/>
+              </a:defRPr>
+            </a:lvl8pPr>
+            <a:lvl9pPr marL="3657600" algn="l" defTabSz="914400" rtl="0" eaLnBrk="1" latinLnBrk="0" hangingPunct="1">
+              <a:defRPr kumimoji="1" sz="1800" kern="1200">
+                <a:solidFill>
+                  <a:schemeClr val="tx1"/>
+                </a:solidFill>
+                <a:latin typeface="+mn-lt"/>
+                <a:ea typeface="+mn-ea"/>
+                <a:cs typeface="+mn-cs"/>
+              </a:defRPr>
+            </a:lvl9pPr>
+          </a:lstStyle>
+          <a:p>
+            <a:pPr algn="ctr"/>
+            <a:endParaRPr kumimoji="1" lang="ja-JP" altLang="en-US" b="1" dirty="0" smtClean="0">
+              <a:latin typeface="+mn-ea"/>
+            </a:endParaRPr>
+          </a:p>
+        </p:txBody>
+      </p:sp>
     </p:spTree>
     <p:extLst>
       <p:ext uri="{BB962C8B-B14F-4D97-AF65-F5344CB8AC3E}">
@@ -34597,30 +35149,6 @@
           <a:chExt cx="0" cy="0"/>
         </a:xfrm>
       </p:grpSpPr>
-      <p:pic>
-        <p:nvPicPr>
-          <p:cNvPr id="2" name="図 1"/>
-          <p:cNvPicPr>
-            <a:picLocks noChangeAspect="1"/>
-          </p:cNvPicPr>
-          <p:nvPr/>
-        </p:nvPicPr>
-        <p:blipFill>
-          <a:blip r:embed="rId2"/>
-          <a:stretch>
-            <a:fillRect/>
-          </a:stretch>
-        </p:blipFill>
-        <p:spPr>
-          <a:xfrm>
-            <a:off x="324000" y="2300817"/>
-            <a:ext cx="7200000" cy="4050000"/>
-          </a:xfrm>
-          <a:prstGeom prst="rect">
-            <a:avLst/>
-          </a:prstGeom>
-        </p:spPr>
-      </p:pic>
       <p:sp>
         <p:nvSpPr>
           <p:cNvPr id="3" name="コンテンツ プレースホルダー 2"/>
@@ -34686,6 +35214,30 @@
           </a:p>
         </p:txBody>
       </p:sp>
+      <p:pic>
+        <p:nvPicPr>
+          <p:cNvPr id="5" name="図 4"/>
+          <p:cNvPicPr>
+            <a:picLocks noChangeAspect="1"/>
+          </p:cNvPicPr>
+          <p:nvPr/>
+        </p:nvPicPr>
+        <p:blipFill>
+          <a:blip r:embed="rId2"/>
+          <a:stretch>
+            <a:fillRect/>
+          </a:stretch>
+        </p:blipFill>
+        <p:spPr>
+          <a:xfrm>
+            <a:off x="323410" y="2427781"/>
+            <a:ext cx="7800579" cy="3695524"/>
+          </a:xfrm>
+          <a:prstGeom prst="rect">
+            <a:avLst/>
+          </a:prstGeom>
+        </p:spPr>
+      </p:pic>
       <p:sp>
         <p:nvSpPr>
           <p:cNvPr id="4" name="タイトル 1"/>
@@ -34745,8 +35297,8 @@
         </p:nvSpPr>
         <p:spPr bwMode="auto">
           <a:xfrm>
-            <a:off x="1331550" y="4866808"/>
-            <a:ext cx="1656230" cy="288040"/>
+            <a:off x="1403560" y="5234020"/>
+            <a:ext cx="1800250" cy="288040"/>
           </a:xfrm>
           <a:prstGeom prst="rect">
             <a:avLst/>
@@ -34878,8 +35430,8 @@
         </p:nvSpPr>
         <p:spPr bwMode="auto">
           <a:xfrm>
-            <a:off x="1224000" y="3708000"/>
-            <a:ext cx="1044000" cy="288040"/>
+            <a:off x="1367700" y="4020100"/>
+            <a:ext cx="1044000" cy="179990"/>
           </a:xfrm>
           <a:prstGeom prst="rect">
             <a:avLst/>
@@ -35011,7 +35563,7 @@
         </p:nvGrpSpPr>
         <p:grpSpPr>
           <a:xfrm>
-            <a:off x="2376000" y="3960000"/>
+            <a:off x="2525540" y="4216539"/>
             <a:ext cx="2160000" cy="509817"/>
             <a:chOff x="3154560" y="3355921"/>
             <a:chExt cx="2353270" cy="509817"/>
@@ -35151,10 +35703,10 @@
         </p:nvGrpSpPr>
         <p:grpSpPr>
           <a:xfrm>
-            <a:off x="3024000" y="5400000"/>
-            <a:ext cx="3433849" cy="462926"/>
+            <a:off x="3491850" y="5861032"/>
+            <a:ext cx="3433849" cy="462929"/>
             <a:chOff x="3141448" y="3451145"/>
-            <a:chExt cx="2301870" cy="440618"/>
+            <a:chExt cx="2301870" cy="440621"/>
           </a:xfrm>
         </p:grpSpPr>
         <p:sp>
@@ -35165,7 +35717,7 @@
           </p:nvSpPr>
           <p:spPr bwMode="auto">
             <a:xfrm>
-              <a:off x="3283318" y="3531764"/>
+              <a:off x="3283318" y="3531767"/>
               <a:ext cx="2160000" cy="359999"/>
             </a:xfrm>
             <a:prstGeom prst="roundRect">
@@ -36062,30 +36614,6 @@
           <a:chExt cx="0" cy="0"/>
         </a:xfrm>
       </p:grpSpPr>
-      <p:pic>
-        <p:nvPicPr>
-          <p:cNvPr id="5" name="図 4"/>
-          <p:cNvPicPr>
-            <a:picLocks noChangeAspect="1"/>
-          </p:cNvPicPr>
-          <p:nvPr/>
-        </p:nvPicPr>
-        <p:blipFill>
-          <a:blip r:embed="rId2"/>
-          <a:stretch>
-            <a:fillRect/>
-          </a:stretch>
-        </p:blipFill>
-        <p:spPr>
-          <a:xfrm>
-            <a:off x="324000" y="2304000"/>
-            <a:ext cx="7380000" cy="4146633"/>
-          </a:xfrm>
-          <a:prstGeom prst="rect">
-            <a:avLst/>
-          </a:prstGeom>
-        </p:spPr>
-      </p:pic>
       <p:sp>
         <p:nvSpPr>
           <p:cNvPr id="3" name="コンテンツ プレースホルダー 2"/>
@@ -36147,6 +36675,30 @@
           </a:p>
         </p:txBody>
       </p:sp>
+      <p:pic>
+        <p:nvPicPr>
+          <p:cNvPr id="2" name="図 1"/>
+          <p:cNvPicPr>
+            <a:picLocks noChangeAspect="1"/>
+          </p:cNvPicPr>
+          <p:nvPr/>
+        </p:nvPicPr>
+        <p:blipFill>
+          <a:blip r:embed="rId2"/>
+          <a:stretch>
+            <a:fillRect/>
+          </a:stretch>
+        </p:blipFill>
+        <p:spPr>
+          <a:xfrm>
+            <a:off x="360671" y="2390126"/>
+            <a:ext cx="7462364" cy="3535295"/>
+          </a:xfrm>
+          <a:prstGeom prst="rect">
+            <a:avLst/>
+          </a:prstGeom>
+        </p:spPr>
+      </p:pic>
       <p:sp>
         <p:nvSpPr>
           <p:cNvPr id="4" name="タイトル 1"/>
@@ -36202,8 +36754,8 @@
         </p:nvSpPr>
         <p:spPr bwMode="auto">
           <a:xfrm>
-            <a:off x="1332000" y="3852000"/>
-            <a:ext cx="936130" cy="207981"/>
+            <a:off x="1342107" y="3982009"/>
+            <a:ext cx="997583" cy="207981"/>
           </a:xfrm>
           <a:prstGeom prst="rect">
             <a:avLst/>
@@ -36335,8 +36887,8 @@
         </p:nvSpPr>
         <p:spPr bwMode="auto">
           <a:xfrm>
-            <a:off x="2808000" y="4716000"/>
-            <a:ext cx="1620680" cy="592585"/>
+            <a:off x="1364968" y="4797190"/>
+            <a:ext cx="2694866" cy="793786"/>
           </a:xfrm>
           <a:prstGeom prst="rect">
             <a:avLst/>
@@ -36468,7 +37020,7 @@
         </p:nvGrpSpPr>
         <p:grpSpPr>
           <a:xfrm>
-            <a:off x="2412000" y="3996000"/>
+            <a:off x="2483560" y="4126009"/>
             <a:ext cx="2160000" cy="540000"/>
             <a:chOff x="3154560" y="3355921"/>
             <a:chExt cx="2353270" cy="513978"/>
@@ -36608,7 +37160,7 @@
         </p:nvGrpSpPr>
         <p:grpSpPr>
           <a:xfrm>
-            <a:off x="3960453" y="5292000"/>
+            <a:off x="4089695" y="5697363"/>
             <a:ext cx="3203905" cy="544740"/>
             <a:chOff x="3224216" y="3373277"/>
             <a:chExt cx="2147727" cy="518490"/>
@@ -37485,22 +38037,21 @@
       </p:grpSpPr>
       <p:pic>
         <p:nvPicPr>
-          <p:cNvPr id="5" name="図 4"/>
+          <p:cNvPr id="4" name="図 3"/>
           <p:cNvPicPr>
             <a:picLocks noChangeAspect="1"/>
           </p:cNvPicPr>
           <p:nvPr/>
         </p:nvPicPr>
-        <p:blipFill>
+        <p:blipFill rotWithShape="1">
           <a:blip r:embed="rId2"/>
-          <a:stretch>
-            <a:fillRect/>
-          </a:stretch>
+          <a:srcRect l="2287" t="1478" r="2441" b="1818"/>
+          <a:stretch/>
         </p:blipFill>
         <p:spPr>
           <a:xfrm>
-            <a:off x="611450" y="2063090"/>
-            <a:ext cx="5179675" cy="3830724"/>
+            <a:off x="611450" y="1916790"/>
+            <a:ext cx="5998535" cy="4248590"/>
           </a:xfrm>
           <a:prstGeom prst="rect">
             <a:avLst/>
@@ -37816,8 +38367,8 @@
         </p:nvSpPr>
         <p:spPr bwMode="auto">
           <a:xfrm>
-            <a:off x="2409177" y="2423140"/>
-            <a:ext cx="722623" cy="1008140"/>
+            <a:off x="2627730" y="2257790"/>
+            <a:ext cx="936130" cy="1152160"/>
           </a:xfrm>
           <a:prstGeom prst="rect">
             <a:avLst/>
@@ -38171,7 +38722,7 @@
             </a:r>
             <a:r>
               <a:rPr lang="en-US" altLang="ja-JP" sz="1600" dirty="0" smtClean="0"/>
-              <a:t>ITA 1.8.0</a:t>
+              <a:t>ITA 1.9.0</a:t>
             </a:r>
             <a:br>
               <a:rPr lang="en-US" altLang="ja-JP" sz="1600" dirty="0" smtClean="0"/>
@@ -38186,7 +38737,7 @@
             </a:r>
             <a:r>
               <a:rPr lang="en-US" altLang="ja-JP" sz="1600" dirty="0" smtClean="0"/>
-              <a:t> 2.11.2</a:t>
+              <a:t> 2.11.7</a:t>
             </a:r>
             <a:br>
               <a:rPr lang="en-US" altLang="ja-JP" sz="1600" dirty="0" smtClean="0"/>
@@ -38360,7 +38911,7 @@
                 <a:rPr lang="en-US" altLang="ja-JP" sz="1200" dirty="0" smtClean="0">
                   <a:latin typeface="+mn-ea"/>
                 </a:rPr>
-                <a:t>1.8.0</a:t>
+                <a:t>1.9.0</a:t>
               </a:r>
               <a:endParaRPr kumimoji="1" lang="ja-JP" altLang="en-US" sz="1200" dirty="0" smtClean="0">
                 <a:latin typeface="+mn-ea"/>
@@ -38524,7 +39075,7 @@
                 <a:rPr kumimoji="1" lang="en-US" altLang="ja-JP" sz="1200" dirty="0" smtClean="0">
                   <a:latin typeface="+mn-ea"/>
                 </a:rPr>
-                <a:t>2.11.2</a:t>
+                <a:t>2.11.7</a:t>
               </a:r>
             </a:p>
           </p:txBody>
@@ -38739,7 +39290,7 @@
                 <a:rPr lang="en-US" altLang="ja-JP" sz="1200" dirty="0" smtClean="0">
                   <a:latin typeface="+mn-ea"/>
                 </a:rPr>
-                <a:t>1.8.0</a:t>
+                <a:t>1.9.0</a:t>
               </a:r>
               <a:endParaRPr kumimoji="1" lang="ja-JP" altLang="en-US" sz="1200" dirty="0" smtClean="0">
                 <a:latin typeface="+mn-ea"/>
@@ -38903,7 +39454,7 @@
                 <a:rPr kumimoji="1" lang="en-US" altLang="ja-JP" sz="1200" dirty="0" smtClean="0">
                   <a:latin typeface="+mn-ea"/>
                 </a:rPr>
-                <a:t>2.11.2</a:t>
+                <a:t>2.11.7</a:t>
               </a:r>
             </a:p>
           </p:txBody>
@@ -41838,37 +42389,25 @@
       </p:grpSpPr>
       <p:pic>
         <p:nvPicPr>
-          <p:cNvPr id="5" name="図 4"/>
+          <p:cNvPr id="7" name="図 6"/>
           <p:cNvPicPr>
             <a:picLocks noChangeAspect="1"/>
           </p:cNvPicPr>
           <p:nvPr/>
         </p:nvPicPr>
-        <p:blipFill>
-          <a:blip r:embed="rId2">
-            <a:extLst>
-              <a:ext uri="{28A0092B-C50C-407E-A947-70E740481C1C}">
-                <a14:useLocalDpi xmlns:a14="http://schemas.microsoft.com/office/drawing/2010/main" val="0"/>
-              </a:ext>
-            </a:extLst>
-          </a:blip>
-          <a:stretch>
-            <a:fillRect/>
-          </a:stretch>
+        <p:blipFill rotWithShape="1">
+          <a:blip r:embed="rId2"/>
+          <a:srcRect r="14310" b="4580"/>
+          <a:stretch/>
         </p:blipFill>
         <p:spPr>
           <a:xfrm>
-            <a:off x="179512" y="2810898"/>
-            <a:ext cx="5472638" cy="1839795"/>
+            <a:off x="179512" y="2459376"/>
+            <a:ext cx="6840828" cy="2108176"/>
           </a:xfrm>
           <a:prstGeom prst="rect">
             <a:avLst/>
           </a:prstGeom>
-          <a:ln>
-            <a:solidFill>
-              <a:schemeClr val="tx1"/>
-            </a:solidFill>
-          </a:ln>
         </p:spPr>
       </p:pic>
       <p:sp>
@@ -42446,8 +42985,8 @@
         </p:nvSpPr>
         <p:spPr bwMode="auto">
           <a:xfrm>
-            <a:off x="179512" y="3068951"/>
-            <a:ext cx="5472638" cy="720100"/>
+            <a:off x="251400" y="2789501"/>
+            <a:ext cx="6768940" cy="783520"/>
           </a:xfrm>
           <a:prstGeom prst="roundRect">
             <a:avLst>
@@ -43170,6 +43709,29 @@
           <a:chExt cx="0" cy="0"/>
         </a:xfrm>
       </p:grpSpPr>
+      <p:pic>
+        <p:nvPicPr>
+          <p:cNvPr id="6" name="図 5"/>
+          <p:cNvPicPr>
+            <a:picLocks noChangeAspect="1"/>
+          </p:cNvPicPr>
+          <p:nvPr/>
+        </p:nvPicPr>
+        <p:blipFill rotWithShape="1">
+          <a:blip r:embed="rId2"/>
+          <a:srcRect t="-58" b="1"/>
+          <a:stretch/>
+        </p:blipFill>
+        <p:spPr>
+          <a:xfrm>
+            <a:off x="372386" y="2622732"/>
+            <a:ext cx="6704753" cy="2319933"/>
+          </a:xfrm>
+          <a:prstGeom prst="rect">
+            <a:avLst/>
+          </a:prstGeom>
+        </p:spPr>
+      </p:pic>
       <p:sp>
         <p:nvSpPr>
           <p:cNvPr id="2" name="タイトル 1"/>
@@ -43313,35 +43875,6 @@
           </a:p>
         </p:txBody>
       </p:sp>
-      <p:pic>
-        <p:nvPicPr>
-          <p:cNvPr id="4" name="図 3"/>
-          <p:cNvPicPr>
-            <a:picLocks noChangeAspect="1"/>
-          </p:cNvPicPr>
-          <p:nvPr/>
-        </p:nvPicPr>
-        <p:blipFill>
-          <a:blip r:embed="rId2"/>
-          <a:stretch>
-            <a:fillRect/>
-          </a:stretch>
-        </p:blipFill>
-        <p:spPr>
-          <a:xfrm>
-            <a:off x="324000" y="2556000"/>
-            <a:ext cx="4394788" cy="1752714"/>
-          </a:xfrm>
-          <a:prstGeom prst="rect">
-            <a:avLst/>
-          </a:prstGeom>
-          <a:ln>
-            <a:solidFill>
-              <a:schemeClr val="tx1"/>
-            </a:solidFill>
-          </a:ln>
-        </p:spPr>
-      </p:pic>
       <p:sp>
         <p:nvSpPr>
           <p:cNvPr id="7" name="角丸四角形 6"/>
@@ -43350,8 +43883,8 @@
         </p:nvSpPr>
         <p:spPr bwMode="auto">
           <a:xfrm>
-            <a:off x="432000" y="2988000"/>
-            <a:ext cx="2772000" cy="648000"/>
+            <a:off x="899489" y="3140960"/>
+            <a:ext cx="3002263" cy="993026"/>
           </a:xfrm>
           <a:prstGeom prst="roundRect">
             <a:avLst>
@@ -43488,7 +44021,7 @@
         </p:nvSpPr>
         <p:spPr bwMode="auto">
           <a:xfrm>
-            <a:off x="2985686" y="3960000"/>
+            <a:off x="3830234" y="4430325"/>
             <a:ext cx="3530584" cy="808679"/>
           </a:xfrm>
           <a:prstGeom prst="roundRect">
@@ -43545,13 +44078,13 @@
           <p:nvPr>
             <p:extLst>
               <p:ext uri="{D42A27DB-BD31-4B8C-83A1-F6EECF244321}">
-                <p14:modId xmlns:p14="http://schemas.microsoft.com/office/powerpoint/2010/main" val="3107531198"/>
+                <p14:modId xmlns:p14="http://schemas.microsoft.com/office/powerpoint/2010/main" val="2953209622"/>
               </p:ext>
             </p:extLst>
           </p:nvPr>
         </p:nvGraphicFramePr>
         <p:xfrm>
-          <a:off x="3127425" y="4032000"/>
+          <a:off x="3971973" y="4502325"/>
           <a:ext cx="3314638" cy="711562"/>
         </p:xfrm>
         <a:graphic>
@@ -43665,7 +44198,7 @@
         </p:nvSpPr>
         <p:spPr bwMode="auto">
           <a:xfrm>
-            <a:off x="2824710" y="3744000"/>
+            <a:off x="3669258" y="4214325"/>
             <a:ext cx="321951" cy="325481"/>
           </a:xfrm>
           <a:prstGeom prst="wedgeEllipseCallout">
